--- a/JavaScript.pptx
+++ b/JavaScript.pptx
@@ -5,7 +5,7 @@
     <p:sldMasterId id="2147483648" r:id="rId1"/>
   </p:sldMasterIdLst>
   <p:notesMasterIdLst>
-    <p:notesMasterId r:id="rId17"/>
+    <p:notesMasterId r:id="rId28"/>
   </p:notesMasterIdLst>
   <p:sldIdLst>
     <p:sldId id="273" r:id="rId2"/>
@@ -22,7 +22,18 @@
     <p:sldId id="281" r:id="rId13"/>
     <p:sldId id="268" r:id="rId14"/>
     <p:sldId id="269" r:id="rId15"/>
-    <p:sldId id="270" r:id="rId16"/>
+    <p:sldId id="282" r:id="rId16"/>
+    <p:sldId id="283" r:id="rId17"/>
+    <p:sldId id="284" r:id="rId18"/>
+    <p:sldId id="285" r:id="rId19"/>
+    <p:sldId id="286" r:id="rId20"/>
+    <p:sldId id="287" r:id="rId21"/>
+    <p:sldId id="288" r:id="rId22"/>
+    <p:sldId id="289" r:id="rId23"/>
+    <p:sldId id="290" r:id="rId24"/>
+    <p:sldId id="291" r:id="rId25"/>
+    <p:sldId id="292" r:id="rId26"/>
+    <p:sldId id="270" r:id="rId27"/>
   </p:sldIdLst>
   <p:sldSz cx="9144000" cy="5715000" type="screen16x10"/>
   <p:notesSz cx="6858000" cy="9144000"/>
@@ -222,7 +233,7 @@
           <a:p>
             <a:fld id="{FDCB26DF-8C13-AA46-8FF6-21E3CD82FB9A}" type="datetimeFigureOut">
               <a:rPr kumimoji="1" lang="zh-CN" altLang="en-US" smtClean="0"/>
-              <a:t>2016/12/12</a:t>
+              <a:t>2016/12/15</a:t>
             </a:fld>
             <a:endParaRPr kumimoji="1" lang="zh-CN" altLang="en-US"/>
           </a:p>
@@ -684,7 +695,7 @@
             <a:fld id="{3E5323F9-98BA-42FF-86C4-4D652271FB86}" type="datetimeFigureOut">
               <a:rPr lang="zh-CN" altLang="en-US" smtClean="0"/>
               <a:pPr/>
-              <a:t>2016/12/12</a:t>
+              <a:t>2016/12/15</a:t>
             </a:fld>
             <a:endParaRPr lang="zh-CN" altLang="en-US"/>
           </a:p>
@@ -1087,7 +1098,7 @@
             <a:fld id="{3E5323F9-98BA-42FF-86C4-4D652271FB86}" type="datetimeFigureOut">
               <a:rPr lang="zh-CN" altLang="en-US" smtClean="0"/>
               <a:pPr/>
-              <a:t>2016/12/12</a:t>
+              <a:t>2016/12/15</a:t>
             </a:fld>
             <a:endParaRPr lang="zh-CN" altLang="en-US"/>
           </a:p>
@@ -1510,7 +1521,7 @@
             <a:fld id="{3E5323F9-98BA-42FF-86C4-4D652271FB86}" type="datetimeFigureOut">
               <a:rPr lang="zh-CN" altLang="en-US" smtClean="0"/>
               <a:pPr/>
-              <a:t>2016/12/12</a:t>
+              <a:t>2016/12/15</a:t>
             </a:fld>
             <a:endParaRPr lang="zh-CN" altLang="en-US"/>
           </a:p>
@@ -1857,7 +1868,7 @@
             <a:fld id="{3E5323F9-98BA-42FF-86C4-4D652271FB86}" type="datetimeFigureOut">
               <a:rPr lang="zh-CN" altLang="en-US" smtClean="0"/>
               <a:pPr/>
-              <a:t>2016/12/12</a:t>
+              <a:t>2016/12/15</a:t>
             </a:fld>
             <a:endParaRPr lang="zh-CN" altLang="en-US"/>
           </a:p>
@@ -2169,7 +2180,7 @@
             <a:fld id="{3E5323F9-98BA-42FF-86C4-4D652271FB86}" type="datetimeFigureOut">
               <a:rPr lang="zh-CN" altLang="en-US" smtClean="0"/>
               <a:pPr/>
-              <a:t>2016/12/12</a:t>
+              <a:t>2016/12/15</a:t>
             </a:fld>
             <a:endParaRPr lang="zh-CN" altLang="en-US"/>
           </a:p>
@@ -2658,7 +2669,7 @@
             <a:fld id="{3E5323F9-98BA-42FF-86C4-4D652271FB86}" type="datetimeFigureOut">
               <a:rPr lang="zh-CN" altLang="en-US" smtClean="0"/>
               <a:pPr/>
-              <a:t>2016/12/12</a:t>
+              <a:t>2016/12/15</a:t>
             </a:fld>
             <a:endParaRPr lang="zh-CN" altLang="en-US"/>
           </a:p>
@@ -3189,7 +3200,7 @@
             <a:fld id="{3E5323F9-98BA-42FF-86C4-4D652271FB86}" type="datetimeFigureOut">
               <a:rPr lang="zh-CN" altLang="en-US" smtClean="0"/>
               <a:pPr/>
-              <a:t>2016/12/12</a:t>
+              <a:t>2016/12/15</a:t>
             </a:fld>
             <a:endParaRPr lang="zh-CN" altLang="en-US"/>
           </a:p>
@@ -3859,7 +3870,7 @@
             <a:fld id="{3E5323F9-98BA-42FF-86C4-4D652271FB86}" type="datetimeFigureOut">
               <a:rPr lang="zh-CN" altLang="en-US" smtClean="0"/>
               <a:pPr/>
-              <a:t>2016/12/12</a:t>
+              <a:t>2016/12/15</a:t>
             </a:fld>
             <a:endParaRPr lang="zh-CN" altLang="en-US"/>
           </a:p>
@@ -4220,7 +4231,7 @@
             <a:fld id="{3E5323F9-98BA-42FF-86C4-4D652271FB86}" type="datetimeFigureOut">
               <a:rPr lang="zh-CN" altLang="en-US" smtClean="0"/>
               <a:pPr/>
-              <a:t>2016/12/12</a:t>
+              <a:t>2016/12/15</a:t>
             </a:fld>
             <a:endParaRPr lang="zh-CN" altLang="en-US"/>
           </a:p>
@@ -4558,7 +4569,7 @@
             <a:fld id="{3E5323F9-98BA-42FF-86C4-4D652271FB86}" type="datetimeFigureOut">
               <a:rPr lang="zh-CN" altLang="en-US" smtClean="0"/>
               <a:pPr/>
-              <a:t>2016/12/12</a:t>
+              <a:t>2016/12/15</a:t>
             </a:fld>
             <a:endParaRPr lang="zh-CN" altLang="en-US"/>
           </a:p>
@@ -5078,7 +5089,7 @@
             <a:fld id="{3E5323F9-98BA-42FF-86C4-4D652271FB86}" type="datetimeFigureOut">
               <a:rPr lang="zh-CN" altLang="en-US" smtClean="0"/>
               <a:pPr/>
-              <a:t>2016/12/12</a:t>
+              <a:t>2016/12/15</a:t>
             </a:fld>
             <a:endParaRPr lang="zh-CN" altLang="en-US"/>
           </a:p>
@@ -5578,7 +5589,7 @@
             <a:fld id="{3E5323F9-98BA-42FF-86C4-4D652271FB86}" type="datetimeFigureOut">
               <a:rPr lang="zh-CN" altLang="en-US" smtClean="0"/>
               <a:pPr/>
-              <a:t>2016/12/12</a:t>
+              <a:t>2016/12/15</a:t>
             </a:fld>
             <a:endParaRPr lang="zh-CN" altLang="en-US"/>
           </a:p>
@@ -6040,7 +6051,7 @@
             <a:fld id="{3E5323F9-98BA-42FF-86C4-4D652271FB86}" type="datetimeFigureOut">
               <a:rPr lang="zh-CN" altLang="en-US" smtClean="0"/>
               <a:pPr/>
-              <a:t>2016/12/12</a:t>
+              <a:t>2016/12/15</a:t>
             </a:fld>
             <a:endParaRPr lang="zh-CN" altLang="en-US"/>
           </a:p>
@@ -6561,7 +6572,7 @@
         <p:spPr/>
         <p:txBody>
           <a:bodyPr>
-            <a:normAutofit fontScale="85000" lnSpcReduction="20000"/>
+            <a:normAutofit fontScale="85000" lnSpcReduction="10000"/>
           </a:bodyPr>
           <a:lstStyle/>
           <a:p>
@@ -6598,9 +6609,10 @@
               <a:t>% </a:t>
             </a:r>
             <a:r>
-              <a:rPr kumimoji="1" lang="zh-CN" altLang="en-US" dirty="0"/>
-              <a:t>取模</a:t>
-            </a:r>
+              <a:rPr kumimoji="1" lang="zh-CN" altLang="en-US" dirty="0" smtClean="0"/>
+              <a:t>取模（求余数）</a:t>
+            </a:r>
+            <a:endParaRPr kumimoji="1" lang="zh-CN" altLang="en-US" dirty="0"/>
           </a:p>
           <a:p>
             <a:pPr lvl="1"/>
@@ -6661,8 +6673,24 @@
           </a:p>
           <a:p>
             <a:r>
-              <a:rPr kumimoji="1" lang="zh-CN" altLang="en-US" dirty="0"/>
-              <a:t>关系：</a:t>
+              <a:rPr kumimoji="1" lang="zh-CN" altLang="en-US" dirty="0" smtClean="0"/>
+              <a:t>关系</a:t>
+            </a:r>
+            <a:r>
+              <a:rPr kumimoji="1" lang="en-US" altLang="zh-CN" dirty="0" smtClean="0"/>
+              <a:t>(</a:t>
+            </a:r>
+            <a:r>
+              <a:rPr kumimoji="1" lang="zh-CN" altLang="en-US" dirty="0" smtClean="0"/>
+              <a:t>比较</a:t>
+            </a:r>
+            <a:r>
+              <a:rPr kumimoji="1" lang="en-US" altLang="zh-CN" dirty="0" smtClean="0"/>
+              <a:t>)</a:t>
+            </a:r>
+            <a:r>
+              <a:rPr kumimoji="1" lang="zh-CN" altLang="en-US" dirty="0" smtClean="0"/>
+              <a:t>：</a:t>
             </a:r>
             <a:r>
               <a:rPr kumimoji="1" lang="en-US" altLang="zh-CN" dirty="0"/>
@@ -6756,16 +6784,13 @@
             </a:r>
           </a:p>
           <a:p>
-            <a:pPr lvl="1"/>
-            <a:r>
-              <a:rPr kumimoji="1" lang="zh-CN" altLang="en-US" dirty="0"/>
-              <a:t>实例：全选与反选</a:t>
-            </a:r>
-          </a:p>
-          <a:p>
-            <a:r>
-              <a:rPr kumimoji="1" lang="zh-CN" altLang="en-US" dirty="0"/>
-              <a:t>运算符优先级：括号</a:t>
+            <a:r>
+              <a:rPr kumimoji="1" lang="zh-CN" altLang="en-US" dirty="0" smtClean="0"/>
+              <a:t>运算</a:t>
+            </a:r>
+            <a:r>
+              <a:rPr kumimoji="1" lang="zh-CN" altLang="en-US" dirty="0"/>
+              <a:t>符优先级：括号</a:t>
             </a:r>
             <a:endParaRPr kumimoji="1" lang="zh-CN" altLang="en-US" dirty="0" smtClean="0"/>
           </a:p>
@@ -6869,9 +6894,14 @@
               <a:t>、</a:t>
             </a:r>
             <a:r>
-              <a:rPr kumimoji="1" lang="en-US" altLang="zh-CN" dirty="0"/>
+              <a:rPr kumimoji="1" lang="en-US" altLang="zh-CN" dirty="0" smtClean="0"/>
               <a:t>?:</a:t>
             </a:r>
+            <a:r>
+              <a:rPr kumimoji="1" lang="zh-CN" altLang="en-US" dirty="0" smtClean="0"/>
+              <a:t>（三目）</a:t>
+            </a:r>
+            <a:endParaRPr kumimoji="1" lang="en-US" altLang="zh-CN" dirty="0"/>
           </a:p>
           <a:p>
             <a:r>
@@ -7058,43 +7088,63 @@
             </a:r>
             <a:r>
               <a:rPr kumimoji="1" lang="zh-CN" altLang="cs-CZ" dirty="0" smtClean="0"/>
+              <a:t>和数组</a:t>
+            </a:r>
+          </a:p>
+          <a:p>
+            <a:r>
+              <a:rPr kumimoji="1" lang="cs-CZ" altLang="zh-CN" dirty="0" err="1" smtClean="0">
+                <a:solidFill>
+                  <a:schemeClr val="bg1"/>
+                </a:solidFill>
+              </a:rPr>
+              <a:t>json</a:t>
+            </a:r>
+            <a:r>
+              <a:rPr kumimoji="1" lang="zh-CN" altLang="en-US" dirty="0" smtClean="0">
+                <a:solidFill>
+                  <a:schemeClr val="bg1"/>
+                </a:solidFill>
+              </a:rPr>
+              <a:t> </a:t>
+            </a:r>
+            <a:r>
+              <a:rPr kumimoji="1" lang="zh-CN" altLang="cs-CZ" dirty="0" smtClean="0">
+                <a:solidFill>
+                  <a:schemeClr val="bg1"/>
+                </a:solidFill>
+              </a:rPr>
               <a:t>和</a:t>
             </a:r>
             <a:r>
-              <a:rPr kumimoji="1" lang="zh-CN" altLang="cs-CZ" dirty="0"/>
-              <a:t>数组</a:t>
-            </a:r>
-          </a:p>
-          <a:p>
-            <a:r>
-              <a:rPr kumimoji="1" lang="cs-CZ" altLang="zh-CN" dirty="0" err="1" smtClean="0"/>
-              <a:t>json</a:t>
-            </a:r>
-            <a:r>
-              <a:rPr kumimoji="1" lang="zh-CN" altLang="en-US" dirty="0" smtClean="0"/>
+              <a:rPr kumimoji="1" lang="zh-CN" altLang="en-US" dirty="0" smtClean="0">
+                <a:solidFill>
+                  <a:schemeClr val="bg1"/>
+                </a:solidFill>
+              </a:rPr>
               <a:t> </a:t>
             </a:r>
             <a:r>
-              <a:rPr kumimoji="1" lang="zh-CN" altLang="cs-CZ" dirty="0" smtClean="0"/>
-              <a:t>和</a:t>
-            </a:r>
-            <a:r>
-              <a:rPr kumimoji="1" lang="zh-CN" altLang="en-US" dirty="0" smtClean="0"/>
-              <a:t> </a:t>
-            </a:r>
-            <a:r>
-              <a:rPr kumimoji="1" lang="cs-CZ" altLang="zh-CN" dirty="0" err="1" smtClean="0"/>
+              <a:rPr kumimoji="1" lang="cs-CZ" altLang="zh-CN" dirty="0" err="1" smtClean="0">
+                <a:solidFill>
+                  <a:schemeClr val="bg1"/>
+                </a:solidFill>
+              </a:rPr>
               <a:t>for</a:t>
             </a:r>
             <a:r>
-              <a:rPr kumimoji="1" lang="cs-CZ" altLang="zh-CN" dirty="0" smtClean="0"/>
-              <a:t> </a:t>
-            </a:r>
-            <a:r>
-              <a:rPr kumimoji="1" lang="cs-CZ" altLang="zh-CN" dirty="0"/>
-              <a:t>in</a:t>
-            </a:r>
-            <a:endParaRPr kumimoji="1" lang="zh-CN" altLang="en-US" dirty="0" smtClean="0"/>
+              <a:rPr kumimoji="1" lang="cs-CZ" altLang="zh-CN" dirty="0" smtClean="0">
+                <a:solidFill>
+                  <a:schemeClr val="bg1"/>
+                </a:solidFill>
+              </a:rPr>
+              <a:t> in</a:t>
+            </a:r>
+            <a:endParaRPr kumimoji="1" lang="zh-CN" altLang="en-US" dirty="0" smtClean="0">
+              <a:solidFill>
+                <a:schemeClr val="bg1"/>
+              </a:solidFill>
+            </a:endParaRPr>
           </a:p>
         </p:txBody>
       </p:sp>
@@ -7108,6 +7158,14 @@
   <p:clrMapOvr>
     <a:masterClrMapping/>
   </p:clrMapOvr>
+  <mc:AlternateContent xmlns:mc="http://schemas.openxmlformats.org/markup-compatibility/2006" xmlns:p14="http://schemas.microsoft.com/office/powerpoint/2010/main">
+    <mc:Choice Requires="p14">
+      <p:transition spd="slow" p14:dur="2000"/>
+    </mc:Choice>
+    <mc:Fallback xmlns="">
+      <p:transition spd="slow"/>
+    </mc:Fallback>
+  </mc:AlternateContent>
   <p:timing>
     <p:tnLst>
       <p:par>
@@ -7206,6 +7264,13 @@
           <a:p>
             <a:r>
               <a:rPr kumimoji="1" lang="zh-CN" altLang="en-US" dirty="0"/>
+              <a:t>命名规范</a:t>
+            </a:r>
+            <a:endParaRPr kumimoji="1" lang="en-US" altLang="zh-CN" dirty="0"/>
+          </a:p>
+          <a:p>
+            <a:r>
+              <a:rPr kumimoji="1" lang="zh-CN" altLang="en-US" dirty="0"/>
               <a:t>运算符</a:t>
             </a:r>
           </a:p>
@@ -7214,13 +7279,6 @@
               <a:rPr kumimoji="1" lang="zh-CN" altLang="en-US" dirty="0"/>
               <a:t>程序流程控制结构</a:t>
             </a:r>
-          </a:p>
-          <a:p>
-            <a:r>
-              <a:rPr kumimoji="1" lang="zh-CN" altLang="en-US" dirty="0"/>
-              <a:t>命名规范</a:t>
-            </a:r>
-            <a:endParaRPr kumimoji="1" lang="en-US" altLang="zh-CN" dirty="0" smtClean="0"/>
           </a:p>
         </p:txBody>
       </p:sp>
@@ -7461,7 +7519,7 @@
             <a:spLocks noGrp="1"/>
           </p:cNvSpPr>
           <p:nvPr>
-            <p:ph type="title"/>
+            <p:ph type="ctrTitle"/>
           </p:nvPr>
         </p:nvSpPr>
         <p:spPr/>
@@ -7469,18 +7527,30 @@
           <a:bodyPr/>
           <a:lstStyle/>
           <a:p>
-            <a:endParaRPr lang="zh-CN" altLang="en-US"/>
+            <a:r>
+              <a:rPr lang="zh-CN" altLang="en-US" dirty="0"/>
+              <a:t>第一课 </a:t>
+            </a:r>
+            <a:r>
+              <a:rPr lang="en-US" altLang="zh-CN" dirty="0" smtClean="0"/>
+              <a:t>JavaScript</a:t>
+            </a:r>
+            <a:r>
+              <a:rPr lang="zh-CN" altLang="en-US" dirty="0" smtClean="0"/>
+              <a:t>基础（二）</a:t>
+            </a:r>
+            <a:endParaRPr lang="zh-CN" altLang="en-US" dirty="0"/>
           </a:p>
         </p:txBody>
       </p:sp>
       <p:sp>
         <p:nvSpPr>
-          <p:cNvPr id="3" name="文本占位符 2"/>
+          <p:cNvPr id="3" name="副标题 2"/>
           <p:cNvSpPr>
             <a:spLocks noGrp="1"/>
           </p:cNvSpPr>
           <p:nvPr>
-            <p:ph type="body" idx="1"/>
+            <p:ph type="subTitle" idx="1"/>
           </p:nvPr>
         </p:nvSpPr>
         <p:spPr/>
@@ -7488,19 +7558,642 @@
           <a:bodyPr/>
           <a:lstStyle/>
           <a:p>
-            <a:r>
-              <a:rPr lang="en-US" altLang="zh-CN" dirty="0" smtClean="0"/>
-              <a:t>Thanks</a:t>
-            </a:r>
+            <a:endParaRPr lang="zh-CN" altLang="en-US"/>
+          </a:p>
+        </p:txBody>
+      </p:sp>
+    </p:spTree>
+    <p:extLst>
+      <p:ext uri="{BB962C8B-B14F-4D97-AF65-F5344CB8AC3E}">
+        <p14:creationId xmlns:p14="http://schemas.microsoft.com/office/powerpoint/2010/main" val="506948748"/>
+      </p:ext>
+    </p:extLst>
+  </p:cSld>
+  <p:clrMapOvr>
+    <a:masterClrMapping/>
+  </p:clrMapOvr>
+  <p:timing>
+    <p:tnLst>
+      <p:par>
+        <p:cTn id="1" dur="indefinite" restart="never" nodeType="tmRoot"/>
+      </p:par>
+    </p:tnLst>
+  </p:timing>
+</p:sld>
+</file>
+
+<file path=ppt/slides/slide16.xml><?xml version="1.0" encoding="utf-8"?>
+<p:sld xmlns:a="http://schemas.openxmlformats.org/drawingml/2006/main" xmlns:r="http://schemas.openxmlformats.org/officeDocument/2006/relationships" xmlns:p="http://schemas.openxmlformats.org/presentationml/2006/main">
+  <p:cSld>
+    <p:spTree>
+      <p:nvGrpSpPr>
+        <p:cNvPr id="1" name=""/>
+        <p:cNvGrpSpPr/>
+        <p:nvPr/>
+      </p:nvGrpSpPr>
+      <p:grpSpPr>
+        <a:xfrm>
+          <a:off x="0" y="0"/>
+          <a:ext cx="0" cy="0"/>
+          <a:chOff x="0" y="0"/>
+          <a:chExt cx="0" cy="0"/>
+        </a:xfrm>
+      </p:grpSpPr>
+      <p:sp>
+        <p:nvSpPr>
+          <p:cNvPr id="2" name="标题 1"/>
+          <p:cNvSpPr>
+            <a:spLocks noGrp="1"/>
+          </p:cNvSpPr>
+          <p:nvPr>
+            <p:ph type="title"/>
+          </p:nvPr>
+        </p:nvSpPr>
+        <p:spPr/>
+        <p:txBody>
+          <a:bodyPr/>
+          <a:lstStyle/>
+          <a:p>
             <a:r>
               <a:rPr lang="zh-CN" altLang="en-US" dirty="0" smtClean="0"/>
-              <a:t>！</a:t>
+              <a:t>教学目标</a:t>
             </a:r>
             <a:endParaRPr lang="zh-CN" altLang="en-US" dirty="0"/>
           </a:p>
         </p:txBody>
       </p:sp>
+      <p:sp>
+        <p:nvSpPr>
+          <p:cNvPr id="3" name="内容占位符 2"/>
+          <p:cNvSpPr>
+            <a:spLocks noGrp="1"/>
+          </p:cNvSpPr>
+          <p:nvPr>
+            <p:ph idx="1"/>
+          </p:nvPr>
+        </p:nvSpPr>
+        <p:spPr/>
+        <p:txBody>
+          <a:bodyPr>
+            <a:normAutofit/>
+          </a:bodyPr>
+          <a:lstStyle/>
+          <a:p>
+            <a:r>
+              <a:rPr kumimoji="1" lang="zh-CN" altLang="en-US" dirty="0" smtClean="0"/>
+              <a:t>函数（</a:t>
+            </a:r>
+            <a:r>
+              <a:rPr kumimoji="1" lang="zh-CN" altLang="en-US" dirty="0"/>
+              <a:t>函数返</a:t>
+            </a:r>
+            <a:r>
+              <a:rPr kumimoji="1" lang="zh-CN" altLang="en-US" dirty="0" smtClean="0"/>
+              <a:t>回值）</a:t>
+            </a:r>
+            <a:endParaRPr kumimoji="1" lang="en-US" altLang="zh-CN" dirty="0" smtClean="0"/>
+          </a:p>
+          <a:p>
+            <a:r>
+              <a:rPr kumimoji="1" lang="zh-CN" altLang="en-US" dirty="0" smtClean="0"/>
+              <a:t>函数参数（不定参）</a:t>
+            </a:r>
+            <a:endParaRPr kumimoji="1" lang="en-US" altLang="zh-CN" dirty="0" smtClean="0"/>
+          </a:p>
+          <a:p>
+            <a:r>
+              <a:rPr kumimoji="1" lang="zh-CN" altLang="en-US" dirty="0" smtClean="0"/>
+              <a:t>数组</a:t>
+            </a:r>
+            <a:endParaRPr kumimoji="1" lang="en-US" altLang="zh-CN" dirty="0" smtClean="0"/>
+          </a:p>
+        </p:txBody>
+      </p:sp>
     </p:spTree>
+    <p:extLst>
+      <p:ext uri="{BB962C8B-B14F-4D97-AF65-F5344CB8AC3E}">
+        <p14:creationId xmlns:p14="http://schemas.microsoft.com/office/powerpoint/2010/main" val="147980320"/>
+      </p:ext>
+    </p:extLst>
+  </p:cSld>
+  <p:clrMapOvr>
+    <a:masterClrMapping/>
+  </p:clrMapOvr>
+  <p:timing>
+    <p:tnLst>
+      <p:par>
+        <p:cTn id="1" dur="indefinite" restart="never" nodeType="tmRoot"/>
+      </p:par>
+    </p:tnLst>
+  </p:timing>
+</p:sld>
+</file>
+
+<file path=ppt/slides/slide17.xml><?xml version="1.0" encoding="utf-8"?>
+<p:sld xmlns:a="http://schemas.openxmlformats.org/drawingml/2006/main" xmlns:r="http://schemas.openxmlformats.org/officeDocument/2006/relationships" xmlns:p="http://schemas.openxmlformats.org/presentationml/2006/main">
+  <p:cSld>
+    <p:spTree>
+      <p:nvGrpSpPr>
+        <p:cNvPr id="1" name=""/>
+        <p:cNvGrpSpPr/>
+        <p:nvPr/>
+      </p:nvGrpSpPr>
+      <p:grpSpPr>
+        <a:xfrm>
+          <a:off x="0" y="0"/>
+          <a:ext cx="0" cy="0"/>
+          <a:chOff x="0" y="0"/>
+          <a:chExt cx="0" cy="0"/>
+        </a:xfrm>
+      </p:grpSpPr>
+      <p:sp>
+        <p:nvSpPr>
+          <p:cNvPr id="2" name="标题 1"/>
+          <p:cNvSpPr>
+            <a:spLocks noGrp="1"/>
+          </p:cNvSpPr>
+          <p:nvPr>
+            <p:ph type="title"/>
+          </p:nvPr>
+        </p:nvSpPr>
+        <p:spPr/>
+        <p:txBody>
+          <a:bodyPr/>
+          <a:lstStyle/>
+          <a:p>
+            <a:r>
+              <a:rPr kumimoji="1" lang="zh-CN" altLang="en-US" dirty="0"/>
+              <a:t>函数返回值</a:t>
+            </a:r>
+          </a:p>
+        </p:txBody>
+      </p:sp>
+      <p:sp>
+        <p:nvSpPr>
+          <p:cNvPr id="3" name="内容占位符 2"/>
+          <p:cNvSpPr>
+            <a:spLocks noGrp="1"/>
+          </p:cNvSpPr>
+          <p:nvPr>
+            <p:ph idx="1"/>
+          </p:nvPr>
+        </p:nvSpPr>
+        <p:spPr/>
+        <p:txBody>
+          <a:bodyPr>
+            <a:normAutofit/>
+          </a:bodyPr>
+          <a:lstStyle/>
+          <a:p>
+            <a:r>
+              <a:rPr kumimoji="1" lang="zh-CN" altLang="en-US" dirty="0"/>
+              <a:t>函数返回值</a:t>
+            </a:r>
+          </a:p>
+          <a:p>
+            <a:pPr lvl="1"/>
+            <a:r>
+              <a:rPr kumimoji="1" lang="zh-CN" altLang="en-US" dirty="0"/>
+              <a:t>什么是函数返回值</a:t>
+            </a:r>
+          </a:p>
+          <a:p>
+            <a:pPr lvl="2"/>
+            <a:r>
+              <a:rPr kumimoji="1" lang="zh-CN" altLang="en-US" dirty="0"/>
+              <a:t>函数的执行结果</a:t>
+            </a:r>
+          </a:p>
+          <a:p>
+            <a:pPr lvl="2"/>
+            <a:r>
+              <a:rPr kumimoji="1" lang="zh-CN" altLang="en-US" dirty="0"/>
+              <a:t>可以没有</a:t>
+            </a:r>
+            <a:r>
+              <a:rPr kumimoji="1" lang="en-US" altLang="zh-CN" dirty="0"/>
+              <a:t>return</a:t>
+            </a:r>
+          </a:p>
+          <a:p>
+            <a:pPr lvl="1"/>
+            <a:r>
+              <a:rPr kumimoji="1" lang="zh-CN" altLang="en-US" dirty="0"/>
+              <a:t>一个函数应该只返回一种类型的值</a:t>
+            </a:r>
+          </a:p>
+        </p:txBody>
+      </p:sp>
+    </p:spTree>
+    <p:extLst>
+      <p:ext uri="{BB962C8B-B14F-4D97-AF65-F5344CB8AC3E}">
+        <p14:creationId xmlns:p14="http://schemas.microsoft.com/office/powerpoint/2010/main" val="22308272"/>
+      </p:ext>
+    </p:extLst>
+  </p:cSld>
+  <p:clrMapOvr>
+    <a:masterClrMapping/>
+  </p:clrMapOvr>
+  <p:timing>
+    <p:tnLst>
+      <p:par>
+        <p:cTn id="1" dur="indefinite" restart="never" nodeType="tmRoot"/>
+      </p:par>
+    </p:tnLst>
+  </p:timing>
+</p:sld>
+</file>
+
+<file path=ppt/slides/slide18.xml><?xml version="1.0" encoding="utf-8"?>
+<p:sld xmlns:a="http://schemas.openxmlformats.org/drawingml/2006/main" xmlns:r="http://schemas.openxmlformats.org/officeDocument/2006/relationships" xmlns:p="http://schemas.openxmlformats.org/presentationml/2006/main">
+  <p:cSld>
+    <p:spTree>
+      <p:nvGrpSpPr>
+        <p:cNvPr id="1" name=""/>
+        <p:cNvGrpSpPr/>
+        <p:nvPr/>
+      </p:nvGrpSpPr>
+      <p:grpSpPr>
+        <a:xfrm>
+          <a:off x="0" y="0"/>
+          <a:ext cx="0" cy="0"/>
+          <a:chOff x="0" y="0"/>
+          <a:chExt cx="0" cy="0"/>
+        </a:xfrm>
+      </p:grpSpPr>
+      <p:sp>
+        <p:nvSpPr>
+          <p:cNvPr id="2" name="标题 1"/>
+          <p:cNvSpPr>
+            <a:spLocks noGrp="1"/>
+          </p:cNvSpPr>
+          <p:nvPr>
+            <p:ph type="title"/>
+          </p:nvPr>
+        </p:nvSpPr>
+        <p:spPr/>
+        <p:txBody>
+          <a:bodyPr/>
+          <a:lstStyle/>
+          <a:p>
+            <a:r>
+              <a:rPr kumimoji="1" lang="zh-CN" altLang="en-US" dirty="0" smtClean="0"/>
+              <a:t>函数传参</a:t>
+            </a:r>
+            <a:endParaRPr kumimoji="1" lang="zh-CN" altLang="en-US" dirty="0"/>
+          </a:p>
+        </p:txBody>
+      </p:sp>
+      <p:sp>
+        <p:nvSpPr>
+          <p:cNvPr id="3" name="内容占位符 2"/>
+          <p:cNvSpPr>
+            <a:spLocks noGrp="1"/>
+          </p:cNvSpPr>
+          <p:nvPr>
+            <p:ph idx="1"/>
+          </p:nvPr>
+        </p:nvSpPr>
+        <p:spPr/>
+        <p:txBody>
+          <a:bodyPr>
+            <a:normAutofit fontScale="70000" lnSpcReduction="20000"/>
+          </a:bodyPr>
+          <a:lstStyle/>
+          <a:p>
+            <a:r>
+              <a:rPr kumimoji="1" lang="zh-CN" altLang="en-US" dirty="0" smtClean="0"/>
+              <a:t>可</a:t>
+            </a:r>
+            <a:r>
+              <a:rPr kumimoji="1" lang="zh-CN" altLang="en-US" dirty="0"/>
+              <a:t>变参（不定参）：</a:t>
+            </a:r>
+            <a:r>
+              <a:rPr kumimoji="1" lang="en-US" altLang="zh-CN" dirty="0"/>
+              <a:t>arguments</a:t>
+            </a:r>
+          </a:p>
+          <a:p>
+            <a:pPr lvl="1"/>
+            <a:r>
+              <a:rPr kumimoji="1" lang="zh-CN" altLang="en-US" dirty="0"/>
+              <a:t>参数的个数可变，参数数组</a:t>
+            </a:r>
+          </a:p>
+          <a:p>
+            <a:r>
+              <a:rPr kumimoji="1" lang="zh-CN" altLang="en-US" dirty="0"/>
+              <a:t>例子</a:t>
+            </a:r>
+            <a:r>
+              <a:rPr kumimoji="1" lang="en-US" altLang="zh-CN" dirty="0"/>
+              <a:t>1</a:t>
+            </a:r>
+            <a:r>
+              <a:rPr kumimoji="1" lang="zh-CN" altLang="en-US" dirty="0"/>
+              <a:t>：求和</a:t>
+            </a:r>
+          </a:p>
+          <a:p>
+            <a:pPr lvl="1"/>
+            <a:r>
+              <a:rPr kumimoji="1" lang="zh-CN" altLang="en-US" dirty="0"/>
+              <a:t>求所有参数的和</a:t>
+            </a:r>
+          </a:p>
+          <a:p>
+            <a:r>
+              <a:rPr kumimoji="1" lang="zh-CN" altLang="en-US" dirty="0"/>
+              <a:t>例子</a:t>
+            </a:r>
+            <a:r>
+              <a:rPr kumimoji="1" lang="en-US" altLang="zh-CN" dirty="0"/>
+              <a:t>2</a:t>
+            </a:r>
+            <a:r>
+              <a:rPr kumimoji="1" lang="zh-CN" altLang="en-US" dirty="0"/>
+              <a:t>：</a:t>
+            </a:r>
+            <a:r>
+              <a:rPr kumimoji="1" lang="en-US" altLang="zh-CN" dirty="0"/>
+              <a:t>CSS</a:t>
+            </a:r>
+            <a:r>
+              <a:rPr kumimoji="1" lang="zh-CN" altLang="en-US" dirty="0"/>
+              <a:t>函数</a:t>
+            </a:r>
+          </a:p>
+          <a:p>
+            <a:pPr lvl="1"/>
+            <a:r>
+              <a:rPr kumimoji="1" lang="zh-CN" altLang="en-US" dirty="0"/>
+              <a:t>判断</a:t>
+            </a:r>
+            <a:r>
+              <a:rPr kumimoji="1" lang="en-US" altLang="zh-CN" dirty="0" err="1"/>
+              <a:t>arguments.length</a:t>
+            </a:r>
+            <a:endParaRPr kumimoji="1" lang="en-US" altLang="zh-CN" dirty="0"/>
+          </a:p>
+          <a:p>
+            <a:pPr lvl="1"/>
+            <a:r>
+              <a:rPr kumimoji="1" lang="zh-CN" altLang="en-US" dirty="0" smtClean="0"/>
+              <a:t>取非</a:t>
+            </a:r>
+            <a:r>
+              <a:rPr kumimoji="1" lang="zh-CN" altLang="en-US" dirty="0"/>
+              <a:t>行间样式</a:t>
+            </a:r>
+            <a:r>
+              <a:rPr kumimoji="1" lang="en-US" altLang="zh-CN" dirty="0"/>
+              <a:t>(</a:t>
+            </a:r>
+            <a:r>
+              <a:rPr kumimoji="1" lang="zh-CN" altLang="en-US" dirty="0"/>
+              <a:t>不能用来设置</a:t>
+            </a:r>
+            <a:r>
+              <a:rPr kumimoji="1" lang="en-US" altLang="zh-CN" dirty="0"/>
+              <a:t>)</a:t>
+            </a:r>
+            <a:r>
+              <a:rPr kumimoji="1" lang="zh-CN" altLang="en-US" dirty="0"/>
+              <a:t>：</a:t>
+            </a:r>
+          </a:p>
+          <a:p>
+            <a:pPr lvl="2"/>
+            <a:r>
+              <a:rPr kumimoji="1" lang="en-US" altLang="zh-CN" dirty="0" err="1"/>
+              <a:t>obj.currentStyle</a:t>
+            </a:r>
+            <a:r>
+              <a:rPr kumimoji="1" lang="en-US" altLang="zh-CN" dirty="0"/>
+              <a:t>[</a:t>
+            </a:r>
+            <a:r>
+              <a:rPr kumimoji="1" lang="en-US" altLang="zh-CN" dirty="0" err="1"/>
+              <a:t>attr</a:t>
+            </a:r>
+            <a:r>
+              <a:rPr kumimoji="1" lang="en-US" altLang="zh-CN" dirty="0"/>
+              <a:t>]</a:t>
+            </a:r>
+          </a:p>
+          <a:p>
+            <a:pPr lvl="2"/>
+            <a:r>
+              <a:rPr kumimoji="1" lang="en-US" altLang="zh-CN" dirty="0" err="1"/>
+              <a:t>getComputedStyle</a:t>
+            </a:r>
+            <a:r>
+              <a:rPr kumimoji="1" lang="en-US" altLang="zh-CN" dirty="0"/>
+              <a:t>(</a:t>
+            </a:r>
+            <a:r>
+              <a:rPr kumimoji="1" lang="en-US" altLang="zh-CN" dirty="0" err="1"/>
+              <a:t>obj</a:t>
+            </a:r>
+            <a:r>
+              <a:rPr kumimoji="1" lang="en-US" altLang="zh-CN" dirty="0"/>
+              <a:t>, false)[</a:t>
+            </a:r>
+            <a:r>
+              <a:rPr kumimoji="1" lang="en-US" altLang="zh-CN" dirty="0" err="1"/>
+              <a:t>attr</a:t>
+            </a:r>
+            <a:r>
+              <a:rPr kumimoji="1" lang="en-US" altLang="zh-CN" dirty="0" smtClean="0"/>
+              <a:t>]</a:t>
+            </a:r>
+          </a:p>
+        </p:txBody>
+      </p:sp>
+    </p:spTree>
+    <p:extLst>
+      <p:ext uri="{BB962C8B-B14F-4D97-AF65-F5344CB8AC3E}">
+        <p14:creationId xmlns:p14="http://schemas.microsoft.com/office/powerpoint/2010/main" val="1923681899"/>
+      </p:ext>
+    </p:extLst>
+  </p:cSld>
+  <p:clrMapOvr>
+    <a:masterClrMapping/>
+  </p:clrMapOvr>
+  <p:timing>
+    <p:tnLst>
+      <p:par>
+        <p:cTn id="1" dur="indefinite" restart="never" nodeType="tmRoot"/>
+      </p:par>
+    </p:tnLst>
+  </p:timing>
+</p:sld>
+</file>
+
+<file path=ppt/slides/slide19.xml><?xml version="1.0" encoding="utf-8"?>
+<p:sld xmlns:a="http://schemas.openxmlformats.org/drawingml/2006/main" xmlns:r="http://schemas.openxmlformats.org/officeDocument/2006/relationships" xmlns:p="http://schemas.openxmlformats.org/presentationml/2006/main">
+  <p:cSld>
+    <p:spTree>
+      <p:nvGrpSpPr>
+        <p:cNvPr id="1" name=""/>
+        <p:cNvGrpSpPr/>
+        <p:nvPr/>
+      </p:nvGrpSpPr>
+      <p:grpSpPr>
+        <a:xfrm>
+          <a:off x="0" y="0"/>
+          <a:ext cx="0" cy="0"/>
+          <a:chOff x="0" y="0"/>
+          <a:chExt cx="0" cy="0"/>
+        </a:xfrm>
+      </p:grpSpPr>
+      <p:sp>
+        <p:nvSpPr>
+          <p:cNvPr id="2" name="标题 1"/>
+          <p:cNvSpPr>
+            <a:spLocks noGrp="1"/>
+          </p:cNvSpPr>
+          <p:nvPr>
+            <p:ph type="title"/>
+          </p:nvPr>
+        </p:nvSpPr>
+        <p:spPr/>
+        <p:txBody>
+          <a:bodyPr/>
+          <a:lstStyle/>
+          <a:p>
+            <a:r>
+              <a:rPr kumimoji="1" lang="zh-CN" altLang="en-US" dirty="0" smtClean="0"/>
+              <a:t>数组基础</a:t>
+            </a:r>
+            <a:endParaRPr kumimoji="1" lang="zh-CN" altLang="en-US" dirty="0"/>
+          </a:p>
+        </p:txBody>
+      </p:sp>
+      <p:sp>
+        <p:nvSpPr>
+          <p:cNvPr id="3" name="内容占位符 2"/>
+          <p:cNvSpPr>
+            <a:spLocks noGrp="1"/>
+          </p:cNvSpPr>
+          <p:nvPr>
+            <p:ph idx="1"/>
+          </p:nvPr>
+        </p:nvSpPr>
+        <p:spPr/>
+        <p:txBody>
+          <a:bodyPr>
+            <a:normAutofit fontScale="62500" lnSpcReduction="20000"/>
+          </a:bodyPr>
+          <a:lstStyle/>
+          <a:p>
+            <a:r>
+              <a:rPr kumimoji="1" lang="zh-CN" altLang="en-US" dirty="0"/>
+              <a:t>数组的使用</a:t>
+            </a:r>
+          </a:p>
+          <a:p>
+            <a:pPr lvl="1"/>
+            <a:r>
+              <a:rPr kumimoji="1" lang="zh-CN" altLang="en-US" dirty="0"/>
+              <a:t>定义</a:t>
+            </a:r>
+          </a:p>
+          <a:p>
+            <a:pPr lvl="2"/>
+            <a:r>
+              <a:rPr kumimoji="1" lang="en-US" altLang="zh-CN" dirty="0" err="1"/>
+              <a:t>var</a:t>
+            </a:r>
+            <a:r>
+              <a:rPr kumimoji="1" lang="en-US" altLang="zh-CN" dirty="0"/>
+              <a:t> </a:t>
+            </a:r>
+            <a:r>
+              <a:rPr kumimoji="1" lang="en-US" altLang="zh-CN" dirty="0" err="1"/>
+              <a:t>arr</a:t>
+            </a:r>
+            <a:r>
+              <a:rPr kumimoji="1" lang="en-US" altLang="zh-CN" dirty="0"/>
+              <a:t>=[12, 5, 8, 9];</a:t>
+            </a:r>
+          </a:p>
+          <a:p>
+            <a:pPr lvl="2"/>
+            <a:r>
+              <a:rPr kumimoji="1" lang="en-US" altLang="zh-CN" dirty="0" err="1"/>
+              <a:t>var</a:t>
+            </a:r>
+            <a:r>
+              <a:rPr kumimoji="1" lang="en-US" altLang="zh-CN" dirty="0"/>
+              <a:t> </a:t>
+            </a:r>
+            <a:r>
+              <a:rPr kumimoji="1" lang="en-US" altLang="zh-CN" dirty="0" err="1"/>
+              <a:t>arr</a:t>
+            </a:r>
+            <a:r>
+              <a:rPr kumimoji="1" lang="en-US" altLang="zh-CN" dirty="0"/>
+              <a:t>=new Array(12, 5, 8, 9);</a:t>
+            </a:r>
+          </a:p>
+          <a:p>
+            <a:pPr lvl="2"/>
+            <a:r>
+              <a:rPr kumimoji="1" lang="zh-CN" altLang="en-US" dirty="0"/>
+              <a:t>没有任何差别，</a:t>
+            </a:r>
+            <a:r>
+              <a:rPr kumimoji="1" lang="en-US" altLang="zh-CN" dirty="0"/>
+              <a:t>[]</a:t>
+            </a:r>
+            <a:r>
+              <a:rPr kumimoji="1" lang="zh-CN" altLang="en-US" dirty="0"/>
+              <a:t>的性能略高，因为代码短</a:t>
+            </a:r>
+          </a:p>
+          <a:p>
+            <a:r>
+              <a:rPr kumimoji="1" lang="zh-CN" altLang="en-US" dirty="0"/>
+              <a:t>数组的属性</a:t>
+            </a:r>
+          </a:p>
+          <a:p>
+            <a:pPr lvl="1"/>
+            <a:r>
+              <a:rPr kumimoji="1" lang="en-US" altLang="zh-CN" dirty="0"/>
+              <a:t>length</a:t>
+            </a:r>
+          </a:p>
+          <a:p>
+            <a:pPr lvl="2"/>
+            <a:r>
+              <a:rPr kumimoji="1" lang="zh-CN" altLang="en-US" dirty="0"/>
+              <a:t>既可以获取，又可以设置</a:t>
+            </a:r>
+          </a:p>
+          <a:p>
+            <a:pPr lvl="2"/>
+            <a:r>
+              <a:rPr kumimoji="1" lang="zh-CN" altLang="en-US" dirty="0"/>
+              <a:t>例子：快速清空数组</a:t>
+            </a:r>
+          </a:p>
+          <a:p>
+            <a:r>
+              <a:rPr kumimoji="1" lang="zh-CN" altLang="en-US" dirty="0"/>
+              <a:t>数组使用原则：数组中应该只存一种类型的变量</a:t>
+            </a:r>
+          </a:p>
+        </p:txBody>
+      </p:sp>
+    </p:spTree>
+    <p:extLst>
+      <p:ext uri="{BB962C8B-B14F-4D97-AF65-F5344CB8AC3E}">
+        <p14:creationId xmlns:p14="http://schemas.microsoft.com/office/powerpoint/2010/main" val="2069420024"/>
+      </p:ext>
+    </p:extLst>
   </p:cSld>
   <p:clrMapOvr>
     <a:masterClrMapping/>
@@ -7557,7 +8250,7 @@
             </a:r>
             <a:r>
               <a:rPr lang="zh-CN" altLang="en-US" dirty="0" smtClean="0"/>
-              <a:t>基础</a:t>
+              <a:t>基础（一）</a:t>
             </a:r>
             <a:endParaRPr lang="zh-CN" altLang="en-US" dirty="0"/>
           </a:p>
@@ -7579,6 +8272,1112 @@
           <a:lstStyle/>
           <a:p>
             <a:endParaRPr lang="zh-CN" altLang="en-US"/>
+          </a:p>
+        </p:txBody>
+      </p:sp>
+    </p:spTree>
+  </p:cSld>
+  <p:clrMapOvr>
+    <a:masterClrMapping/>
+  </p:clrMapOvr>
+  <p:timing>
+    <p:tnLst>
+      <p:par>
+        <p:cTn id="1" dur="indefinite" restart="never" nodeType="tmRoot"/>
+      </p:par>
+    </p:tnLst>
+  </p:timing>
+</p:sld>
+</file>
+
+<file path=ppt/slides/slide20.xml><?xml version="1.0" encoding="utf-8"?>
+<p:sld xmlns:a="http://schemas.openxmlformats.org/drawingml/2006/main" xmlns:r="http://schemas.openxmlformats.org/officeDocument/2006/relationships" xmlns:p="http://schemas.openxmlformats.org/presentationml/2006/main">
+  <p:cSld>
+    <p:spTree>
+      <p:nvGrpSpPr>
+        <p:cNvPr id="1" name=""/>
+        <p:cNvGrpSpPr/>
+        <p:nvPr/>
+      </p:nvGrpSpPr>
+      <p:grpSpPr>
+        <a:xfrm>
+          <a:off x="0" y="0"/>
+          <a:ext cx="0" cy="0"/>
+          <a:chOff x="0" y="0"/>
+          <a:chExt cx="0" cy="0"/>
+        </a:xfrm>
+      </p:grpSpPr>
+      <p:sp>
+        <p:nvSpPr>
+          <p:cNvPr id="2" name="标题 1"/>
+          <p:cNvSpPr>
+            <a:spLocks noGrp="1"/>
+          </p:cNvSpPr>
+          <p:nvPr>
+            <p:ph type="title"/>
+          </p:nvPr>
+        </p:nvSpPr>
+        <p:spPr/>
+        <p:txBody>
+          <a:bodyPr/>
+          <a:lstStyle/>
+          <a:p>
+            <a:r>
+              <a:rPr kumimoji="1" lang="zh-CN" altLang="en-US" dirty="0" smtClean="0"/>
+              <a:t>数组添加、删除元素</a:t>
+            </a:r>
+            <a:endParaRPr kumimoji="1" lang="zh-CN" altLang="en-US" dirty="0"/>
+          </a:p>
+        </p:txBody>
+      </p:sp>
+      <p:sp>
+        <p:nvSpPr>
+          <p:cNvPr id="3" name="内容占位符 2"/>
+          <p:cNvSpPr>
+            <a:spLocks noGrp="1"/>
+          </p:cNvSpPr>
+          <p:nvPr>
+            <p:ph idx="1"/>
+          </p:nvPr>
+        </p:nvSpPr>
+        <p:spPr/>
+        <p:txBody>
+          <a:bodyPr>
+            <a:normAutofit fontScale="92500" lnSpcReduction="10000"/>
+          </a:bodyPr>
+          <a:lstStyle/>
+          <a:p>
+            <a:r>
+              <a:rPr kumimoji="1" lang="zh-CN" altLang="en-US" dirty="0"/>
+              <a:t>数组的方法</a:t>
+            </a:r>
+          </a:p>
+          <a:p>
+            <a:pPr lvl="1"/>
+            <a:r>
+              <a:rPr kumimoji="1" lang="zh-CN" altLang="en-US" dirty="0"/>
+              <a:t>添加</a:t>
+            </a:r>
+          </a:p>
+          <a:p>
+            <a:pPr lvl="2"/>
+            <a:r>
+              <a:rPr kumimoji="1" lang="en-US" altLang="zh-CN" dirty="0"/>
+              <a:t>push(</a:t>
+            </a:r>
+            <a:r>
+              <a:rPr kumimoji="1" lang="zh-CN" altLang="en-US" dirty="0"/>
+              <a:t>元素</a:t>
+            </a:r>
+            <a:r>
+              <a:rPr kumimoji="1" lang="en-US" altLang="zh-CN" dirty="0"/>
+              <a:t>)</a:t>
+            </a:r>
+            <a:r>
+              <a:rPr kumimoji="1" lang="zh-CN" altLang="en-US" dirty="0"/>
+              <a:t>，从尾部添加</a:t>
+            </a:r>
+          </a:p>
+          <a:p>
+            <a:pPr lvl="2"/>
+            <a:r>
+              <a:rPr kumimoji="1" lang="en-US" altLang="zh-CN" dirty="0" err="1"/>
+              <a:t>unshift</a:t>
+            </a:r>
+            <a:r>
+              <a:rPr kumimoji="1" lang="en-US" altLang="zh-CN" dirty="0"/>
+              <a:t>(</a:t>
+            </a:r>
+            <a:r>
+              <a:rPr kumimoji="1" lang="zh-CN" altLang="en-US" dirty="0"/>
+              <a:t>元素</a:t>
+            </a:r>
+            <a:r>
+              <a:rPr kumimoji="1" lang="en-US" altLang="zh-CN" dirty="0"/>
+              <a:t>)</a:t>
+            </a:r>
+            <a:r>
+              <a:rPr kumimoji="1" lang="zh-CN" altLang="en-US" dirty="0"/>
+              <a:t>，从头部添加</a:t>
+            </a:r>
+          </a:p>
+          <a:p>
+            <a:pPr lvl="1"/>
+            <a:r>
+              <a:rPr kumimoji="1" lang="zh-CN" altLang="en-US" dirty="0"/>
+              <a:t>删除</a:t>
+            </a:r>
+          </a:p>
+          <a:p>
+            <a:pPr lvl="2"/>
+            <a:r>
+              <a:rPr kumimoji="1" lang="en-US" altLang="zh-CN" dirty="0"/>
+              <a:t>pop()</a:t>
+            </a:r>
+            <a:r>
+              <a:rPr kumimoji="1" lang="zh-CN" altLang="en-US" dirty="0"/>
+              <a:t>，从尾部弹出</a:t>
+            </a:r>
+          </a:p>
+          <a:p>
+            <a:pPr lvl="2"/>
+            <a:r>
+              <a:rPr kumimoji="1" lang="en-US" altLang="zh-CN" dirty="0"/>
+              <a:t>shift()</a:t>
+            </a:r>
+            <a:r>
+              <a:rPr kumimoji="1" lang="zh-CN" altLang="en-US" dirty="0"/>
+              <a:t>，从头部弹出</a:t>
+            </a:r>
+          </a:p>
+        </p:txBody>
+      </p:sp>
+    </p:spTree>
+    <p:extLst>
+      <p:ext uri="{BB962C8B-B14F-4D97-AF65-F5344CB8AC3E}">
+        <p14:creationId xmlns:p14="http://schemas.microsoft.com/office/powerpoint/2010/main" val="1448241086"/>
+      </p:ext>
+    </p:extLst>
+  </p:cSld>
+  <p:clrMapOvr>
+    <a:masterClrMapping/>
+  </p:clrMapOvr>
+  <p:timing>
+    <p:tnLst>
+      <p:par>
+        <p:cTn id="1" dur="indefinite" restart="never" nodeType="tmRoot"/>
+      </p:par>
+    </p:tnLst>
+  </p:timing>
+</p:sld>
+</file>
+
+<file path=ppt/slides/slide21.xml><?xml version="1.0" encoding="utf-8"?>
+<p:sld xmlns:a="http://schemas.openxmlformats.org/drawingml/2006/main" xmlns:r="http://schemas.openxmlformats.org/officeDocument/2006/relationships" xmlns:p="http://schemas.openxmlformats.org/presentationml/2006/main">
+  <p:cSld>
+    <p:spTree>
+      <p:nvGrpSpPr>
+        <p:cNvPr id="1" name=""/>
+        <p:cNvGrpSpPr/>
+        <p:nvPr/>
+      </p:nvGrpSpPr>
+      <p:grpSpPr>
+        <a:xfrm>
+          <a:off x="0" y="0"/>
+          <a:ext cx="0" cy="0"/>
+          <a:chOff x="0" y="0"/>
+          <a:chExt cx="0" cy="0"/>
+        </a:xfrm>
+      </p:grpSpPr>
+      <p:sp>
+        <p:nvSpPr>
+          <p:cNvPr id="2" name="标题 1"/>
+          <p:cNvSpPr>
+            <a:spLocks noGrp="1"/>
+          </p:cNvSpPr>
+          <p:nvPr>
+            <p:ph type="title"/>
+          </p:nvPr>
+        </p:nvSpPr>
+        <p:spPr/>
+        <p:txBody>
+          <a:bodyPr/>
+          <a:lstStyle/>
+          <a:p>
+            <a:r>
+              <a:rPr kumimoji="1" lang="zh-CN" altLang="en-US" dirty="0" smtClean="0"/>
+              <a:t>数组排序、转换</a:t>
+            </a:r>
+            <a:endParaRPr kumimoji="1" lang="zh-CN" altLang="en-US" dirty="0"/>
+          </a:p>
+        </p:txBody>
+      </p:sp>
+      <p:sp>
+        <p:nvSpPr>
+          <p:cNvPr id="3" name="内容占位符 2"/>
+          <p:cNvSpPr>
+            <a:spLocks noGrp="1"/>
+          </p:cNvSpPr>
+          <p:nvPr>
+            <p:ph idx="1"/>
+          </p:nvPr>
+        </p:nvSpPr>
+        <p:spPr/>
+        <p:txBody>
+          <a:bodyPr>
+            <a:normAutofit fontScale="70000" lnSpcReduction="20000"/>
+          </a:bodyPr>
+          <a:lstStyle/>
+          <a:p>
+            <a:r>
+              <a:rPr kumimoji="1" lang="zh-CN" altLang="en-US" dirty="0"/>
+              <a:t>排序</a:t>
+            </a:r>
+          </a:p>
+          <a:p>
+            <a:pPr lvl="1"/>
+            <a:r>
+              <a:rPr kumimoji="1" lang="en-US" altLang="zh-CN" dirty="0"/>
+              <a:t>sort([</a:t>
+            </a:r>
+            <a:r>
+              <a:rPr kumimoji="1" lang="zh-CN" altLang="en-US" dirty="0"/>
+              <a:t>比较函数</a:t>
+            </a:r>
+            <a:r>
+              <a:rPr kumimoji="1" lang="en-US" altLang="zh-CN" dirty="0"/>
+              <a:t>])</a:t>
+            </a:r>
+            <a:r>
+              <a:rPr kumimoji="1" lang="zh-CN" altLang="en-US" dirty="0"/>
+              <a:t>，排序一个数组</a:t>
+            </a:r>
+          </a:p>
+          <a:p>
+            <a:pPr lvl="2"/>
+            <a:r>
+              <a:rPr kumimoji="1" lang="zh-CN" altLang="en-US" dirty="0"/>
+              <a:t>排序一个字符串数组</a:t>
+            </a:r>
+          </a:p>
+          <a:p>
+            <a:pPr lvl="2"/>
+            <a:r>
+              <a:rPr kumimoji="1" lang="zh-CN" altLang="en-US" dirty="0"/>
+              <a:t>排序一个数字数组</a:t>
+            </a:r>
+          </a:p>
+          <a:p>
+            <a:r>
+              <a:rPr kumimoji="1" lang="zh-CN" altLang="en-US" dirty="0"/>
+              <a:t>转换类</a:t>
+            </a:r>
+          </a:p>
+          <a:p>
+            <a:pPr lvl="1"/>
+            <a:r>
+              <a:rPr kumimoji="1" lang="en-US" altLang="zh-CN" dirty="0" err="1"/>
+              <a:t>concat</a:t>
+            </a:r>
+            <a:r>
+              <a:rPr kumimoji="1" lang="en-US" altLang="zh-CN" dirty="0"/>
+              <a:t>(</a:t>
+            </a:r>
+            <a:r>
+              <a:rPr kumimoji="1" lang="zh-CN" altLang="en-US" dirty="0"/>
+              <a:t>数组</a:t>
+            </a:r>
+            <a:r>
+              <a:rPr kumimoji="1" lang="en-US" altLang="zh-CN" dirty="0"/>
+              <a:t>2)</a:t>
+            </a:r>
+          </a:p>
+          <a:p>
+            <a:pPr lvl="2"/>
+            <a:r>
+              <a:rPr kumimoji="1" lang="en-US" altLang="zh-CN" dirty="0"/>
+              <a:t> </a:t>
+            </a:r>
+            <a:r>
+              <a:rPr kumimoji="1" lang="zh-CN" altLang="en-US" dirty="0" smtClean="0"/>
+              <a:t>连接两个数组</a:t>
+            </a:r>
+            <a:endParaRPr kumimoji="1" lang="zh-CN" altLang="en-US" dirty="0"/>
+          </a:p>
+          <a:p>
+            <a:pPr lvl="1"/>
+            <a:r>
+              <a:rPr kumimoji="1" lang="en-US" altLang="zh-CN" dirty="0"/>
+              <a:t>join(</a:t>
+            </a:r>
+            <a:r>
+              <a:rPr kumimoji="1" lang="zh-CN" altLang="en-US" dirty="0"/>
+              <a:t>分隔符</a:t>
+            </a:r>
+            <a:r>
+              <a:rPr kumimoji="1" lang="en-US" altLang="zh-CN" dirty="0"/>
+              <a:t>)</a:t>
+            </a:r>
+          </a:p>
+          <a:p>
+            <a:pPr lvl="2"/>
+            <a:r>
+              <a:rPr kumimoji="1" lang="en-US" altLang="zh-CN" dirty="0"/>
+              <a:t> </a:t>
+            </a:r>
+            <a:r>
+              <a:rPr kumimoji="1" lang="zh-CN" altLang="en-US" dirty="0"/>
+              <a:t>用分隔符，组合数组元素，生成字符串</a:t>
+            </a:r>
+          </a:p>
+          <a:p>
+            <a:pPr lvl="2"/>
+            <a:r>
+              <a:rPr kumimoji="1" lang="zh-CN" altLang="en-US" dirty="0"/>
+              <a:t>字</a:t>
+            </a:r>
+            <a:r>
+              <a:rPr kumimoji="1" lang="zh-CN" altLang="en-US" dirty="0" smtClean="0"/>
+              <a:t>符串</a:t>
+            </a:r>
+            <a:r>
+              <a:rPr kumimoji="1" lang="zh-CN" altLang="en-US" dirty="0" smtClean="0"/>
+              <a:t>转数组</a:t>
+            </a:r>
+            <a:r>
+              <a:rPr kumimoji="1" lang="en-US" altLang="zh-CN" dirty="0" smtClean="0"/>
+              <a:t>-</a:t>
+            </a:r>
+            <a:r>
+              <a:rPr kumimoji="1" lang="zh-CN" altLang="en-US" dirty="0" smtClean="0"/>
+              <a:t>用</a:t>
+            </a:r>
+            <a:r>
+              <a:rPr kumimoji="1" lang="en-US" altLang="zh-CN" dirty="0" smtClean="0"/>
+              <a:t>string</a:t>
+            </a:r>
+            <a:r>
+              <a:rPr kumimoji="1" lang="zh-CN" altLang="en-US" dirty="0" smtClean="0"/>
+              <a:t>的</a:t>
+            </a:r>
+            <a:r>
+              <a:rPr kumimoji="1" lang="en-US" altLang="zh-CN" dirty="0" smtClean="0"/>
+              <a:t>split</a:t>
+            </a:r>
+            <a:r>
+              <a:rPr kumimoji="1" lang="zh-CN" altLang="en-US" dirty="0" smtClean="0"/>
+              <a:t>方法（</a:t>
+            </a:r>
+            <a:r>
+              <a:rPr kumimoji="1" lang="en-US" altLang="zh-CN" dirty="0" err="1" smtClean="0"/>
+              <a:t>string.split</a:t>
+            </a:r>
+            <a:r>
+              <a:rPr kumimoji="1" lang="en-US" altLang="zh-CN" smtClean="0"/>
+              <a:t>()</a:t>
+            </a:r>
+            <a:r>
+              <a:rPr kumimoji="1" lang="zh-CN" altLang="en-US" dirty="0" smtClean="0"/>
+              <a:t>）</a:t>
+            </a:r>
+            <a:endParaRPr kumimoji="1" lang="zh-CN" altLang="en-US" dirty="0"/>
+          </a:p>
+        </p:txBody>
+      </p:sp>
+    </p:spTree>
+    <p:extLst>
+      <p:ext uri="{BB962C8B-B14F-4D97-AF65-F5344CB8AC3E}">
+        <p14:creationId xmlns:p14="http://schemas.microsoft.com/office/powerpoint/2010/main" val="1083860670"/>
+      </p:ext>
+    </p:extLst>
+  </p:cSld>
+  <p:clrMapOvr>
+    <a:masterClrMapping/>
+  </p:clrMapOvr>
+  <p:timing>
+    <p:tnLst>
+      <p:par>
+        <p:cTn id="1" dur="indefinite" restart="never" nodeType="tmRoot"/>
+      </p:par>
+    </p:tnLst>
+  </p:timing>
+</p:sld>
+</file>
+
+<file path=ppt/slides/slide22.xml><?xml version="1.0" encoding="utf-8"?>
+<p:sld xmlns:a="http://schemas.openxmlformats.org/drawingml/2006/main" xmlns:r="http://schemas.openxmlformats.org/officeDocument/2006/relationships" xmlns:p="http://schemas.openxmlformats.org/presentationml/2006/main">
+  <p:cSld>
+    <p:spTree>
+      <p:nvGrpSpPr>
+        <p:cNvPr id="1" name=""/>
+        <p:cNvGrpSpPr/>
+        <p:nvPr/>
+      </p:nvGrpSpPr>
+      <p:grpSpPr>
+        <a:xfrm>
+          <a:off x="0" y="0"/>
+          <a:ext cx="0" cy="0"/>
+          <a:chOff x="0" y="0"/>
+          <a:chExt cx="0" cy="0"/>
+        </a:xfrm>
+      </p:grpSpPr>
+      <p:sp>
+        <p:nvSpPr>
+          <p:cNvPr id="2" name="标题 1"/>
+          <p:cNvSpPr>
+            <a:spLocks noGrp="1"/>
+          </p:cNvSpPr>
+          <p:nvPr>
+            <p:ph type="title"/>
+          </p:nvPr>
+        </p:nvSpPr>
+        <p:spPr/>
+        <p:txBody>
+          <a:bodyPr/>
+          <a:lstStyle/>
+          <a:p>
+            <a:r>
+              <a:rPr kumimoji="1" lang="zh-CN" altLang="en-US" dirty="0" smtClean="0"/>
+              <a:t>数组插入、删除</a:t>
+            </a:r>
+            <a:endParaRPr kumimoji="1" lang="zh-CN" altLang="en-US" dirty="0"/>
+          </a:p>
+        </p:txBody>
+      </p:sp>
+      <p:sp>
+        <p:nvSpPr>
+          <p:cNvPr id="3" name="内容占位符 2"/>
+          <p:cNvSpPr>
+            <a:spLocks noGrp="1"/>
+          </p:cNvSpPr>
+          <p:nvPr>
+            <p:ph idx="1"/>
+          </p:nvPr>
+        </p:nvSpPr>
+        <p:spPr/>
+        <p:txBody>
+          <a:bodyPr>
+            <a:normAutofit fontScale="62500" lnSpcReduction="20000"/>
+          </a:bodyPr>
+          <a:lstStyle/>
+          <a:p>
+            <a:r>
+              <a:rPr kumimoji="1" lang="en-US" altLang="zh-CN" dirty="0"/>
+              <a:t>splice</a:t>
+            </a:r>
+          </a:p>
+          <a:p>
+            <a:pPr lvl="1"/>
+            <a:r>
+              <a:rPr kumimoji="1" lang="en-US" altLang="zh-CN" dirty="0"/>
+              <a:t>splice(</a:t>
+            </a:r>
+            <a:r>
+              <a:rPr kumimoji="1" lang="zh-CN" altLang="en-US" dirty="0"/>
+              <a:t>开始</a:t>
+            </a:r>
+            <a:r>
+              <a:rPr kumimoji="1" lang="en-US" altLang="zh-CN" dirty="0"/>
+              <a:t>, </a:t>
+            </a:r>
+            <a:r>
+              <a:rPr kumimoji="1" lang="zh-CN" altLang="en-US" dirty="0"/>
+              <a:t>长度</a:t>
+            </a:r>
+            <a:r>
+              <a:rPr kumimoji="1" lang="en-US" altLang="zh-CN" dirty="0"/>
+              <a:t>,</a:t>
+            </a:r>
+            <a:r>
+              <a:rPr kumimoji="1" lang="zh-CN" altLang="en-US" dirty="0"/>
+              <a:t>元素</a:t>
+            </a:r>
+            <a:r>
+              <a:rPr kumimoji="1" lang="en-US" altLang="zh-CN" dirty="0"/>
+              <a:t>…)</a:t>
+            </a:r>
+          </a:p>
+          <a:p>
+            <a:pPr lvl="1"/>
+            <a:r>
+              <a:rPr kumimoji="1" lang="zh-CN" altLang="en-US" dirty="0"/>
+              <a:t>先删除，后插入</a:t>
+            </a:r>
+          </a:p>
+          <a:p>
+            <a:r>
+              <a:rPr kumimoji="1" lang="zh-CN" altLang="en-US" dirty="0"/>
+              <a:t>删除</a:t>
+            </a:r>
+          </a:p>
+          <a:p>
+            <a:pPr lvl="1"/>
+            <a:r>
+              <a:rPr kumimoji="1" lang="en-US" altLang="zh-CN" dirty="0"/>
+              <a:t>splice(</a:t>
+            </a:r>
+            <a:r>
+              <a:rPr kumimoji="1" lang="zh-CN" altLang="en-US" dirty="0"/>
+              <a:t>开始</a:t>
+            </a:r>
+            <a:r>
+              <a:rPr kumimoji="1" lang="en-US" altLang="zh-CN" dirty="0"/>
+              <a:t>,</a:t>
+            </a:r>
+            <a:r>
+              <a:rPr kumimoji="1" lang="zh-CN" altLang="en-US" dirty="0"/>
+              <a:t>长度</a:t>
+            </a:r>
+            <a:r>
+              <a:rPr kumimoji="1" lang="en-US" altLang="zh-CN" dirty="0"/>
+              <a:t>)</a:t>
+            </a:r>
+          </a:p>
+          <a:p>
+            <a:r>
+              <a:rPr kumimoji="1" lang="zh-CN" altLang="en-US" dirty="0"/>
+              <a:t>插入</a:t>
+            </a:r>
+          </a:p>
+          <a:p>
+            <a:pPr lvl="1"/>
+            <a:r>
+              <a:rPr kumimoji="1" lang="en-US" altLang="zh-CN" dirty="0"/>
+              <a:t>splice(</a:t>
+            </a:r>
+            <a:r>
+              <a:rPr kumimoji="1" lang="zh-CN" altLang="en-US" dirty="0"/>
+              <a:t>开始</a:t>
+            </a:r>
+            <a:r>
+              <a:rPr kumimoji="1" lang="en-US" altLang="zh-CN" dirty="0"/>
+              <a:t>, 0, </a:t>
+            </a:r>
+            <a:r>
+              <a:rPr kumimoji="1" lang="zh-CN" altLang="en-US" dirty="0"/>
+              <a:t>元素</a:t>
+            </a:r>
+            <a:r>
+              <a:rPr kumimoji="1" lang="en-US" altLang="zh-CN" dirty="0"/>
+              <a:t>…)</a:t>
+            </a:r>
+          </a:p>
+          <a:p>
+            <a:r>
+              <a:rPr kumimoji="1" lang="zh-CN" altLang="en-US" dirty="0" smtClean="0"/>
+              <a:t>替换</a:t>
+            </a:r>
+            <a:endParaRPr kumimoji="1" lang="en-US" altLang="zh-CN" dirty="0" smtClean="0"/>
+          </a:p>
+          <a:p>
+            <a:pPr lvl="1"/>
+            <a:r>
+              <a:rPr lang="mr-IN" altLang="zh-CN" dirty="0" err="1" smtClean="0"/>
+              <a:t>splice</a:t>
+            </a:r>
+            <a:r>
+              <a:rPr lang="mr-IN" altLang="zh-CN" dirty="0" smtClean="0"/>
+              <a:t>(</a:t>
+            </a:r>
+            <a:r>
+              <a:rPr lang="zh-CN" altLang="en-US" dirty="0" smtClean="0"/>
+              <a:t>开始</a:t>
+            </a:r>
+            <a:r>
+              <a:rPr kumimoji="1" lang="en-US" altLang="zh-CN" dirty="0"/>
+              <a:t>,</a:t>
+            </a:r>
+            <a:r>
+              <a:rPr lang="mr-IN" altLang="zh-CN" dirty="0" smtClean="0"/>
+              <a:t> </a:t>
+            </a:r>
+            <a:r>
+              <a:rPr lang="zh-CN" altLang="en-US" dirty="0" smtClean="0"/>
+              <a:t>删除长度</a:t>
+            </a:r>
+            <a:r>
+              <a:rPr lang="en-US" altLang="zh-CN" dirty="0" smtClean="0"/>
+              <a:t>n</a:t>
+            </a:r>
+            <a:r>
+              <a:rPr kumimoji="1" lang="en-US" altLang="zh-CN" dirty="0"/>
+              <a:t> ,</a:t>
+            </a:r>
+            <a:r>
+              <a:rPr lang="mr-IN" altLang="zh-CN" dirty="0" smtClean="0"/>
+              <a:t> </a:t>
+            </a:r>
+            <a:r>
+              <a:rPr lang="zh-CN" altLang="en-US" dirty="0" smtClean="0"/>
+              <a:t>替换元素</a:t>
+            </a:r>
+            <a:r>
+              <a:rPr lang="en-US" altLang="zh-CN" dirty="0" smtClean="0"/>
+              <a:t>n1</a:t>
+            </a:r>
+            <a:r>
+              <a:rPr kumimoji="1" lang="en-US" altLang="zh-CN" dirty="0"/>
+              <a:t> </a:t>
+            </a:r>
+            <a:r>
+              <a:rPr kumimoji="1" lang="en-US" altLang="zh-CN" dirty="0" smtClean="0"/>
+              <a:t>,</a:t>
+            </a:r>
+            <a:r>
+              <a:rPr kumimoji="1" lang="zh-CN" altLang="en-US" dirty="0" smtClean="0"/>
+              <a:t>  </a:t>
+            </a:r>
+            <a:r>
+              <a:rPr kumimoji="1" lang="mr-IN" altLang="zh-CN" dirty="0" smtClean="0"/>
+              <a:t>……</a:t>
+            </a:r>
+            <a:r>
+              <a:rPr kumimoji="1" lang="en-US" altLang="zh-CN" dirty="0" smtClean="0"/>
+              <a:t>,</a:t>
+            </a:r>
+            <a:r>
+              <a:rPr lang="zh-CN" altLang="en-US" dirty="0" smtClean="0"/>
+              <a:t> </a:t>
+            </a:r>
+            <a:r>
+              <a:rPr lang="mr-IN" altLang="zh-CN" dirty="0" smtClean="0"/>
+              <a:t> </a:t>
+            </a:r>
+            <a:r>
+              <a:rPr lang="zh-CN" altLang="en-US" dirty="0" smtClean="0"/>
+              <a:t>替换元素</a:t>
+            </a:r>
+            <a:r>
+              <a:rPr lang="en-US" altLang="zh-CN" dirty="0" err="1" smtClean="0"/>
+              <a:t>nn</a:t>
+            </a:r>
+            <a:r>
+              <a:rPr lang="mr-IN" altLang="zh-CN" dirty="0" smtClean="0"/>
+              <a:t>); </a:t>
+            </a:r>
+            <a:endParaRPr kumimoji="1" lang="zh-CN" altLang="en-US" dirty="0"/>
+          </a:p>
+        </p:txBody>
+      </p:sp>
+    </p:spTree>
+    <p:extLst>
+      <p:ext uri="{BB962C8B-B14F-4D97-AF65-F5344CB8AC3E}">
+        <p14:creationId xmlns:p14="http://schemas.microsoft.com/office/powerpoint/2010/main" val="1405637554"/>
+      </p:ext>
+    </p:extLst>
+  </p:cSld>
+  <p:clrMapOvr>
+    <a:masterClrMapping/>
+  </p:clrMapOvr>
+  <p:timing>
+    <p:tnLst>
+      <p:par>
+        <p:cTn id="1" dur="indefinite" restart="never" nodeType="tmRoot"/>
+      </p:par>
+    </p:tnLst>
+  </p:timing>
+</p:sld>
+</file>
+
+<file path=ppt/slides/slide23.xml><?xml version="1.0" encoding="utf-8"?>
+<p:sld xmlns:a="http://schemas.openxmlformats.org/drawingml/2006/main" xmlns:r="http://schemas.openxmlformats.org/officeDocument/2006/relationships" xmlns:p="http://schemas.openxmlformats.org/presentationml/2006/main">
+  <p:cSld>
+    <p:spTree>
+      <p:nvGrpSpPr>
+        <p:cNvPr id="1" name=""/>
+        <p:cNvGrpSpPr/>
+        <p:nvPr/>
+      </p:nvGrpSpPr>
+      <p:grpSpPr>
+        <a:xfrm>
+          <a:off x="0" y="0"/>
+          <a:ext cx="0" cy="0"/>
+          <a:chOff x="0" y="0"/>
+          <a:chExt cx="0" cy="0"/>
+        </a:xfrm>
+      </p:grpSpPr>
+      <p:sp>
+        <p:nvSpPr>
+          <p:cNvPr id="2" name="标题 1"/>
+          <p:cNvSpPr>
+            <a:spLocks noGrp="1"/>
+          </p:cNvSpPr>
+          <p:nvPr>
+            <p:ph type="ctrTitle"/>
+          </p:nvPr>
+        </p:nvSpPr>
+        <p:spPr/>
+        <p:txBody>
+          <a:bodyPr/>
+          <a:lstStyle/>
+          <a:p>
+            <a:r>
+              <a:rPr lang="zh-CN" altLang="en-US" dirty="0" smtClean="0"/>
+              <a:t>第</a:t>
+            </a:r>
+            <a:r>
+              <a:rPr lang="zh-CN" altLang="en-US" dirty="0" smtClean="0"/>
+              <a:t>二</a:t>
+            </a:r>
+            <a:r>
+              <a:rPr lang="zh-CN" altLang="en-US" dirty="0" smtClean="0"/>
+              <a:t>课 </a:t>
+            </a:r>
+            <a:r>
+              <a:rPr lang="en-US" altLang="zh-CN" dirty="0" smtClean="0"/>
+              <a:t>DOM</a:t>
+            </a:r>
+            <a:r>
+              <a:rPr lang="zh-CN" altLang="en-US" dirty="0" smtClean="0"/>
+              <a:t>基础（一）</a:t>
+            </a:r>
+            <a:endParaRPr lang="zh-CN" altLang="en-US" dirty="0"/>
+          </a:p>
+        </p:txBody>
+      </p:sp>
+      <p:sp>
+        <p:nvSpPr>
+          <p:cNvPr id="3" name="副标题 2"/>
+          <p:cNvSpPr>
+            <a:spLocks noGrp="1"/>
+          </p:cNvSpPr>
+          <p:nvPr>
+            <p:ph type="subTitle" idx="1"/>
+          </p:nvPr>
+        </p:nvSpPr>
+        <p:spPr/>
+        <p:txBody>
+          <a:bodyPr/>
+          <a:lstStyle/>
+          <a:p>
+            <a:endParaRPr lang="zh-CN" altLang="en-US"/>
+          </a:p>
+        </p:txBody>
+      </p:sp>
+    </p:spTree>
+    <p:extLst>
+      <p:ext uri="{BB962C8B-B14F-4D97-AF65-F5344CB8AC3E}">
+        <p14:creationId xmlns:p14="http://schemas.microsoft.com/office/powerpoint/2010/main" val="641672189"/>
+      </p:ext>
+    </p:extLst>
+  </p:cSld>
+  <p:clrMapOvr>
+    <a:masterClrMapping/>
+  </p:clrMapOvr>
+  <p:timing>
+    <p:tnLst>
+      <p:par>
+        <p:cTn id="1" dur="indefinite" restart="never" nodeType="tmRoot"/>
+      </p:par>
+    </p:tnLst>
+  </p:timing>
+</p:sld>
+</file>
+
+<file path=ppt/slides/slide24.xml><?xml version="1.0" encoding="utf-8"?>
+<p:sld xmlns:a="http://schemas.openxmlformats.org/drawingml/2006/main" xmlns:r="http://schemas.openxmlformats.org/officeDocument/2006/relationships" xmlns:p="http://schemas.openxmlformats.org/presentationml/2006/main">
+  <p:cSld>
+    <p:spTree>
+      <p:nvGrpSpPr>
+        <p:cNvPr id="1" name=""/>
+        <p:cNvGrpSpPr/>
+        <p:nvPr/>
+      </p:nvGrpSpPr>
+      <p:grpSpPr>
+        <a:xfrm>
+          <a:off x="0" y="0"/>
+          <a:ext cx="0" cy="0"/>
+          <a:chOff x="0" y="0"/>
+          <a:chExt cx="0" cy="0"/>
+        </a:xfrm>
+      </p:grpSpPr>
+      <p:sp>
+        <p:nvSpPr>
+          <p:cNvPr id="2" name="标题 1"/>
+          <p:cNvSpPr>
+            <a:spLocks noGrp="1"/>
+          </p:cNvSpPr>
+          <p:nvPr>
+            <p:ph type="title"/>
+          </p:nvPr>
+        </p:nvSpPr>
+        <p:spPr/>
+        <p:txBody>
+          <a:bodyPr/>
+          <a:lstStyle/>
+          <a:p>
+            <a:r>
+              <a:rPr lang="zh-CN" altLang="en-US" dirty="0" smtClean="0"/>
+              <a:t>教学目标</a:t>
+            </a:r>
+            <a:endParaRPr lang="zh-CN" altLang="en-US" dirty="0"/>
+          </a:p>
+        </p:txBody>
+      </p:sp>
+      <p:sp>
+        <p:nvSpPr>
+          <p:cNvPr id="3" name="内容占位符 2"/>
+          <p:cNvSpPr>
+            <a:spLocks noGrp="1"/>
+          </p:cNvSpPr>
+          <p:nvPr>
+            <p:ph idx="1"/>
+          </p:nvPr>
+        </p:nvSpPr>
+        <p:spPr/>
+        <p:txBody>
+          <a:bodyPr>
+            <a:normAutofit/>
+          </a:bodyPr>
+          <a:lstStyle/>
+          <a:p>
+            <a:endParaRPr kumimoji="1" lang="en-US" altLang="zh-CN" dirty="0" smtClean="0"/>
+          </a:p>
+        </p:txBody>
+      </p:sp>
+    </p:spTree>
+    <p:extLst>
+      <p:ext uri="{BB962C8B-B14F-4D97-AF65-F5344CB8AC3E}">
+        <p14:creationId xmlns:p14="http://schemas.microsoft.com/office/powerpoint/2010/main" val="2003948825"/>
+      </p:ext>
+    </p:extLst>
+  </p:cSld>
+  <p:clrMapOvr>
+    <a:masterClrMapping/>
+  </p:clrMapOvr>
+  <p:timing>
+    <p:tnLst>
+      <p:par>
+        <p:cTn id="1" dur="indefinite" restart="never" nodeType="tmRoot"/>
+      </p:par>
+    </p:tnLst>
+  </p:timing>
+</p:sld>
+</file>
+
+<file path=ppt/slides/slide25.xml><?xml version="1.0" encoding="utf-8"?>
+<p:sld xmlns:a="http://schemas.openxmlformats.org/drawingml/2006/main" xmlns:r="http://schemas.openxmlformats.org/officeDocument/2006/relationships" xmlns:p="http://schemas.openxmlformats.org/presentationml/2006/main">
+  <p:cSld>
+    <p:spTree>
+      <p:nvGrpSpPr>
+        <p:cNvPr id="1" name=""/>
+        <p:cNvGrpSpPr/>
+        <p:nvPr/>
+      </p:nvGrpSpPr>
+      <p:grpSpPr>
+        <a:xfrm>
+          <a:off x="0" y="0"/>
+          <a:ext cx="0" cy="0"/>
+          <a:chOff x="0" y="0"/>
+          <a:chExt cx="0" cy="0"/>
+        </a:xfrm>
+      </p:grpSpPr>
+      <p:sp>
+        <p:nvSpPr>
+          <p:cNvPr id="2" name="标题 1"/>
+          <p:cNvSpPr>
+            <a:spLocks noGrp="1"/>
+          </p:cNvSpPr>
+          <p:nvPr>
+            <p:ph type="title"/>
+          </p:nvPr>
+        </p:nvSpPr>
+        <p:spPr/>
+        <p:txBody>
+          <a:bodyPr/>
+          <a:lstStyle/>
+          <a:p>
+            <a:r>
+              <a:rPr kumimoji="1" lang="en-US" altLang="zh-CN" dirty="0" smtClean="0"/>
+              <a:t>DOM</a:t>
+            </a:r>
+            <a:r>
+              <a:rPr kumimoji="1" lang="zh-CN" altLang="en-US" dirty="0" smtClean="0"/>
+              <a:t>基础</a:t>
+            </a:r>
+            <a:endParaRPr kumimoji="1" lang="zh-CN" altLang="en-US" dirty="0"/>
+          </a:p>
+        </p:txBody>
+      </p:sp>
+      <p:sp>
+        <p:nvSpPr>
+          <p:cNvPr id="3" name="内容占位符 2"/>
+          <p:cNvSpPr>
+            <a:spLocks noGrp="1"/>
+          </p:cNvSpPr>
+          <p:nvPr>
+            <p:ph idx="1"/>
+          </p:nvPr>
+        </p:nvSpPr>
+        <p:spPr/>
+        <p:txBody>
+          <a:bodyPr>
+            <a:normAutofit fontScale="55000" lnSpcReduction="20000"/>
+          </a:bodyPr>
+          <a:lstStyle/>
+          <a:p>
+            <a:r>
+              <a:rPr kumimoji="1" lang="en-US" altLang="zh-CN" dirty="0"/>
+              <a:t>DOM</a:t>
+            </a:r>
+            <a:r>
+              <a:rPr kumimoji="1" lang="zh-CN" altLang="en-US" dirty="0"/>
+              <a:t>基础</a:t>
+            </a:r>
+          </a:p>
+          <a:p>
+            <a:pPr lvl="1"/>
+            <a:r>
+              <a:rPr kumimoji="1" lang="zh-CN" altLang="en-US" dirty="0"/>
+              <a:t>什么是</a:t>
+            </a:r>
+            <a:r>
+              <a:rPr kumimoji="1" lang="en-US" altLang="zh-CN" dirty="0"/>
+              <a:t>DOM</a:t>
+            </a:r>
+          </a:p>
+          <a:p>
+            <a:pPr lvl="1"/>
+            <a:r>
+              <a:rPr kumimoji="1" lang="zh-CN" altLang="en-US" dirty="0"/>
+              <a:t>浏览器支持情况</a:t>
+            </a:r>
+          </a:p>
+          <a:p>
+            <a:r>
+              <a:rPr kumimoji="1" lang="en-US" altLang="zh-CN" dirty="0"/>
+              <a:t>DOM</a:t>
+            </a:r>
+            <a:r>
+              <a:rPr kumimoji="1" lang="zh-CN" altLang="en-US" dirty="0"/>
+              <a:t>节点</a:t>
+            </a:r>
+          </a:p>
+          <a:p>
+            <a:pPr lvl="1"/>
+            <a:r>
+              <a:rPr kumimoji="1" lang="en-US" altLang="zh-CN" dirty="0" err="1"/>
+              <a:t>childNodes</a:t>
+            </a:r>
+            <a:r>
+              <a:rPr kumimoji="1" lang="en-US" altLang="zh-CN" dirty="0"/>
+              <a:t>	 </a:t>
+            </a:r>
+            <a:r>
+              <a:rPr kumimoji="1" lang="en-US" altLang="zh-CN" dirty="0" err="1"/>
+              <a:t>nodeType</a:t>
+            </a:r>
+            <a:endParaRPr kumimoji="1" lang="en-US" altLang="zh-CN" dirty="0"/>
+          </a:p>
+          <a:p>
+            <a:pPr lvl="2"/>
+            <a:r>
+              <a:rPr kumimoji="1" lang="zh-CN" altLang="en-US" dirty="0"/>
+              <a:t>获取子节点</a:t>
+            </a:r>
+          </a:p>
+          <a:p>
+            <a:pPr lvl="2"/>
+            <a:r>
+              <a:rPr kumimoji="1" lang="en-US" altLang="zh-CN" dirty="0"/>
+              <a:t>children</a:t>
+            </a:r>
+          </a:p>
+          <a:p>
+            <a:r>
+              <a:rPr kumimoji="1" lang="en-US" altLang="zh-CN" dirty="0" err="1"/>
+              <a:t>parentNode</a:t>
+            </a:r>
+            <a:endParaRPr kumimoji="1" lang="en-US" altLang="zh-CN" dirty="0"/>
+          </a:p>
+          <a:p>
+            <a:pPr lvl="1"/>
+            <a:r>
+              <a:rPr kumimoji="1" lang="zh-CN" altLang="en-US" dirty="0"/>
+              <a:t>例子：点击链接，隐藏整个</a:t>
+            </a:r>
+            <a:r>
+              <a:rPr kumimoji="1" lang="en-US" altLang="zh-CN" dirty="0"/>
+              <a:t>li</a:t>
+            </a:r>
+          </a:p>
+          <a:p>
+            <a:r>
+              <a:rPr kumimoji="1" lang="en-US" altLang="zh-CN" dirty="0" err="1"/>
+              <a:t>offsetParent</a:t>
+            </a:r>
+            <a:endParaRPr kumimoji="1" lang="en-US" altLang="zh-CN" dirty="0"/>
+          </a:p>
+          <a:p>
+            <a:pPr lvl="1"/>
+            <a:r>
+              <a:rPr kumimoji="1" lang="zh-CN" altLang="en-US" dirty="0"/>
+              <a:t>例子：获取元素在页面上的实际位置</a:t>
+            </a:r>
+            <a:endParaRPr kumimoji="1" lang="zh-CN" altLang="en-US" dirty="0"/>
+          </a:p>
+        </p:txBody>
+      </p:sp>
+    </p:spTree>
+    <p:extLst>
+      <p:ext uri="{BB962C8B-B14F-4D97-AF65-F5344CB8AC3E}">
+        <p14:creationId xmlns:p14="http://schemas.microsoft.com/office/powerpoint/2010/main" val="1381865874"/>
+      </p:ext>
+    </p:extLst>
+  </p:cSld>
+  <p:clrMapOvr>
+    <a:masterClrMapping/>
+  </p:clrMapOvr>
+  <p:timing>
+    <p:tnLst>
+      <p:par>
+        <p:cTn id="1" dur="indefinite" restart="never" nodeType="tmRoot"/>
+      </p:par>
+    </p:tnLst>
+  </p:timing>
+</p:sld>
+</file>
+
+<file path=ppt/slides/slide26.xml><?xml version="1.0" encoding="utf-8"?>
+<p:sld xmlns:a="http://schemas.openxmlformats.org/drawingml/2006/main" xmlns:r="http://schemas.openxmlformats.org/officeDocument/2006/relationships" xmlns:p="http://schemas.openxmlformats.org/presentationml/2006/main">
+  <p:cSld>
+    <p:spTree>
+      <p:nvGrpSpPr>
+        <p:cNvPr id="1" name=""/>
+        <p:cNvGrpSpPr/>
+        <p:nvPr/>
+      </p:nvGrpSpPr>
+      <p:grpSpPr>
+        <a:xfrm>
+          <a:off x="0" y="0"/>
+          <a:ext cx="0" cy="0"/>
+          <a:chOff x="0" y="0"/>
+          <a:chExt cx="0" cy="0"/>
+        </a:xfrm>
+      </p:grpSpPr>
+      <p:sp>
+        <p:nvSpPr>
+          <p:cNvPr id="2" name="标题 1"/>
+          <p:cNvSpPr>
+            <a:spLocks noGrp="1"/>
+          </p:cNvSpPr>
+          <p:nvPr>
+            <p:ph type="title"/>
+          </p:nvPr>
+        </p:nvSpPr>
+        <p:spPr/>
+        <p:txBody>
+          <a:bodyPr/>
+          <a:lstStyle/>
+          <a:p>
+            <a:endParaRPr lang="zh-CN" altLang="en-US"/>
+          </a:p>
+        </p:txBody>
+      </p:sp>
+      <p:sp>
+        <p:nvSpPr>
+          <p:cNvPr id="3" name="文本占位符 2"/>
+          <p:cNvSpPr>
+            <a:spLocks noGrp="1"/>
+          </p:cNvSpPr>
+          <p:nvPr>
+            <p:ph type="body" idx="1"/>
+          </p:nvPr>
+        </p:nvSpPr>
+        <p:spPr/>
+        <p:txBody>
+          <a:bodyPr/>
+          <a:lstStyle/>
+          <a:p>
+            <a:r>
+              <a:rPr lang="en-US" altLang="zh-CN" dirty="0" smtClean="0"/>
+              <a:t>Thanks</a:t>
+            </a:r>
+            <a:r>
+              <a:rPr lang="zh-CN" altLang="en-US" dirty="0" smtClean="0"/>
+              <a:t>！</a:t>
+            </a:r>
+            <a:endParaRPr lang="zh-CN" altLang="en-US" dirty="0"/>
           </a:p>
         </p:txBody>
       </p:sp>
@@ -7630,7 +9429,7 @@
           <a:lstStyle/>
           <a:p>
             <a:r>
-              <a:rPr lang="zh-CN" altLang="en-US" smtClean="0"/>
+              <a:rPr lang="zh-CN" altLang="en-US" dirty="0" smtClean="0"/>
               <a:t>教学目标</a:t>
             </a:r>
             <a:endParaRPr lang="zh-CN" altLang="en-US" dirty="0"/>
@@ -7686,21 +9485,30 @@
           <a:p>
             <a:r>
               <a:rPr kumimoji="1" lang="zh-CN" altLang="en-US" dirty="0"/>
-              <a:t>运算符</a:t>
-            </a:r>
-          </a:p>
-          <a:p>
-            <a:r>
-              <a:rPr kumimoji="1" lang="zh-CN" altLang="en-US" dirty="0"/>
-              <a:t>程序流程控制结构</a:t>
-            </a:r>
-          </a:p>
-          <a:p>
-            <a:r>
-              <a:rPr kumimoji="1" lang="zh-CN" altLang="en-US" dirty="0"/>
               <a:t>命名规范</a:t>
             </a:r>
             <a:endParaRPr kumimoji="1" lang="en-US" altLang="zh-CN" dirty="0"/>
+          </a:p>
+          <a:p>
+            <a:r>
+              <a:rPr kumimoji="1" lang="zh-CN" altLang="en-US" dirty="0" smtClean="0"/>
+              <a:t>运算</a:t>
+            </a:r>
+            <a:r>
+              <a:rPr kumimoji="1" lang="zh-CN" altLang="en-US" dirty="0"/>
+              <a:t>符</a:t>
+            </a:r>
+          </a:p>
+          <a:p>
+            <a:r>
+              <a:rPr kumimoji="1" lang="zh-CN" altLang="en-US" dirty="0"/>
+              <a:t>程序流程控制</a:t>
+            </a:r>
+            <a:r>
+              <a:rPr kumimoji="1" lang="zh-CN" altLang="en-US" dirty="0" smtClean="0"/>
+              <a:t>结构</a:t>
+            </a:r>
+            <a:endParaRPr kumimoji="1" lang="zh-CN" altLang="en-US" dirty="0"/>
           </a:p>
         </p:txBody>
       </p:sp>
@@ -7795,8 +9603,12 @@
               <a:t>ECMAScript</a:t>
             </a:r>
             <a:r>
-              <a:rPr kumimoji="1" lang="zh-CN" altLang="en-US" dirty="0"/>
-              <a:t>：解释器、</a:t>
+              <a:rPr kumimoji="1" lang="zh-CN" altLang="en-US" dirty="0" smtClean="0"/>
+              <a:t>：</a:t>
+            </a:r>
+            <a:r>
+              <a:rPr kumimoji="1" lang="zh-CN" altLang="en-US" dirty="0"/>
+              <a:t>解释器、</a:t>
             </a:r>
             <a:r>
               <a:rPr kumimoji="1" lang="zh-CN" altLang="en-US" dirty="0" smtClean="0"/>
@@ -7967,7 +9779,11 @@
           <a:p>
             <a:pPr lvl="2"/>
             <a:r>
-              <a:rPr kumimoji="1" lang="en-US" altLang="zh-CN" dirty="0"/>
+              <a:rPr kumimoji="1" lang="zh-CN" altLang="en-US" dirty="0" smtClean="0"/>
+              <a:t>基本类型：</a:t>
+            </a:r>
+            <a:r>
+              <a:rPr kumimoji="1" lang="en-US" altLang="zh-CN" dirty="0" smtClean="0"/>
               <a:t>number</a:t>
             </a:r>
             <a:r>
@@ -7991,30 +9807,30 @@
               <a:t>、</a:t>
             </a:r>
             <a:r>
-              <a:rPr kumimoji="1" lang="en-US" altLang="zh-CN" dirty="0"/>
+              <a:rPr kumimoji="1" lang="en-US" altLang="zh-CN" dirty="0" smtClean="0"/>
               <a:t>undefined</a:t>
             </a:r>
-            <a:r>
-              <a:rPr kumimoji="1" lang="zh-CN" altLang="en-US" dirty="0"/>
-              <a:t>、</a:t>
-            </a:r>
-            <a:r>
-              <a:rPr kumimoji="1" lang="en-US" altLang="zh-CN" dirty="0"/>
+          </a:p>
+          <a:p>
+            <a:pPr lvl="2"/>
+            <a:r>
+              <a:rPr kumimoji="1" lang="zh-CN" altLang="en-US" dirty="0" smtClean="0"/>
+              <a:t>复合类型：</a:t>
+            </a:r>
+            <a:r>
+              <a:rPr kumimoji="1" lang="en-US" altLang="zh-CN" dirty="0" smtClean="0"/>
               <a:t>object</a:t>
             </a:r>
-            <a:r>
-              <a:rPr kumimoji="1" lang="zh-CN" altLang="en-US" dirty="0"/>
-              <a:t>、</a:t>
-            </a:r>
-            <a:r>
-              <a:rPr kumimoji="1" lang="en-US" altLang="zh-CN" dirty="0"/>
-              <a:t>function</a:t>
-            </a:r>
-          </a:p>
-          <a:p>
-            <a:r>
-              <a:rPr kumimoji="1" lang="zh-CN" altLang="en-US" dirty="0"/>
-              <a:t>一个变量应该只存放一种类型的数据</a:t>
+          </a:p>
+          <a:p>
+            <a:pPr lvl="1"/>
+            <a:r>
+              <a:rPr kumimoji="1" lang="zh-CN" altLang="en-US" dirty="0" smtClean="0"/>
+              <a:t>一</a:t>
+            </a:r>
+            <a:r>
+              <a:rPr kumimoji="1" lang="zh-CN" altLang="en-US" dirty="0"/>
+              <a:t>个变量应该只存放一种类型的数据</a:t>
             </a:r>
             <a:endParaRPr kumimoji="1" lang="zh-CN" altLang="en-US" dirty="0" smtClean="0"/>
           </a:p>
@@ -8371,11 +10187,11 @@
           <a:p>
             <a:r>
               <a:rPr lang="zh-CN" altLang="en-US" dirty="0"/>
-              <a:t>命名规范</a:t>
-            </a:r>
-            <a:r>
-              <a:rPr lang="en-US" altLang="zh-CN" dirty="0"/>
-              <a:t>(1)</a:t>
+              <a:t>命名</a:t>
+            </a:r>
+            <a:r>
+              <a:rPr lang="zh-CN" altLang="en-US" dirty="0" smtClean="0"/>
+              <a:t>规范</a:t>
             </a:r>
             <a:endParaRPr kumimoji="1" lang="zh-CN" altLang="en-US" dirty="0"/>
           </a:p>
@@ -8429,15 +10245,32 @@
               <a:t>——</a:t>
             </a:r>
             <a:r>
-              <a:rPr kumimoji="1" lang="zh-CN" altLang="en-US" dirty="0"/>
-              <a:t>符合规则</a:t>
-            </a:r>
-          </a:p>
-          <a:p>
-            <a:r>
-              <a:rPr kumimoji="1" lang="zh-CN" altLang="en-US" dirty="0"/>
-              <a:t>匈牙利命名法</a:t>
-            </a:r>
+              <a:rPr kumimoji="1" lang="zh-CN" altLang="en-US" dirty="0" smtClean="0"/>
+              <a:t>符合</a:t>
+            </a:r>
+            <a:r>
+              <a:rPr kumimoji="1" lang="en-US" altLang="zh-CN" dirty="0" smtClean="0"/>
+              <a:t>JS</a:t>
+            </a:r>
+            <a:r>
+              <a:rPr kumimoji="1" lang="zh-CN" altLang="en-US" dirty="0" smtClean="0"/>
+              <a:t>规则</a:t>
+            </a:r>
+            <a:r>
+              <a:rPr kumimoji="1" lang="zh-CN" altLang="en-US" dirty="0"/>
+              <a:t>（驼峰命名法）</a:t>
+            </a:r>
+          </a:p>
+          <a:p>
+            <a:r>
+              <a:rPr kumimoji="1" lang="zh-CN" altLang="en-US" dirty="0"/>
+              <a:t>匈牙利命</a:t>
+            </a:r>
+            <a:r>
+              <a:rPr kumimoji="1" lang="zh-CN" altLang="en-US" dirty="0" smtClean="0"/>
+              <a:t>名法</a:t>
+            </a:r>
+            <a:endParaRPr kumimoji="1" lang="zh-CN" altLang="en-US" dirty="0"/>
           </a:p>
           <a:p>
             <a:pPr lvl="1"/>
@@ -8510,11 +10343,11 @@
           <a:p>
             <a:r>
               <a:rPr lang="zh-CN" altLang="en-US" dirty="0"/>
-              <a:t>命名规范</a:t>
-            </a:r>
-            <a:r>
-              <a:rPr lang="en-US" altLang="zh-CN" dirty="0" smtClean="0"/>
-              <a:t>(2)</a:t>
+              <a:t>命名</a:t>
+            </a:r>
+            <a:r>
+              <a:rPr lang="zh-CN" altLang="en-US" dirty="0" smtClean="0"/>
+              <a:t>规范</a:t>
             </a:r>
             <a:endParaRPr kumimoji="1" lang="zh-CN" altLang="en-US" dirty="0"/>
           </a:p>
@@ -8529,14 +10362,14 @@
           <p:nvPr>
             <p:extLst>
               <p:ext uri="{D42A27DB-BD31-4B8C-83A1-F6EECF244321}">
-                <p14:modId xmlns:p14="http://schemas.microsoft.com/office/powerpoint/2010/main" val="1463064675"/>
+                <p14:modId xmlns:p14="http://schemas.microsoft.com/office/powerpoint/2010/main" val="1552909165"/>
               </p:ext>
             </p:extLst>
           </p:nvPr>
         </p:nvGraphicFramePr>
         <p:xfrm>
-          <a:off x="475531" y="1417340"/>
-          <a:ext cx="8211268" cy="3028900"/>
+          <a:off x="475531" y="1129310"/>
+          <a:ext cx="8211268" cy="3744410"/>
         </p:xfrm>
         <a:graphic>
           <a:graphicData uri="http://schemas.openxmlformats.org/drawingml/2006/table">
@@ -8548,7 +10381,7 @@
                 <a:gridCol w="2116811"/>
                 <a:gridCol w="2595681"/>
               </a:tblGrid>
-              <a:tr h="302890">
+              <a:tr h="374441">
                 <a:tc>
                   <a:txBody>
                     <a:bodyPr/>
@@ -8560,9 +10393,9 @@
                         </a:spcAft>
                       </a:pPr>
                       <a:r>
-                        <a:rPr lang="zh-CN" sz="1200" b="1" kern="0" dirty="0">
+                        <a:rPr lang="zh-CN" sz="1600" b="1" kern="0" dirty="0">
                           <a:solidFill>
-                            <a:srgbClr val="000000"/>
+                            <a:srgbClr val="0054A8"/>
                           </a:solidFill>
                           <a:latin typeface="Microsoft YaHei" charset="-122"/>
                           <a:ea typeface="Microsoft YaHei" charset="-122"/>
@@ -8570,7 +10403,10 @@
                         </a:rPr>
                         <a:t>类型</a:t>
                       </a:r>
-                      <a:endParaRPr lang="zh-CN" sz="1200" kern="100" dirty="0">
+                      <a:endParaRPr lang="zh-CN" sz="1600" kern="100" dirty="0">
+                        <a:solidFill>
+                          <a:srgbClr val="0054A8"/>
+                        </a:solidFill>
                         <a:latin typeface="Microsoft YaHei" charset="-122"/>
                         <a:ea typeface="Microsoft YaHei" charset="-122"/>
                         <a:cs typeface="Microsoft YaHei" charset="-122"/>
@@ -8580,7 +10416,7 @@
                   <a:tcPr marL="161298" marR="161298" marT="0" marB="0" anchor="ctr">
                     <a:lnL w="12700" cap="flat" cmpd="sng" algn="ctr">
                       <a:solidFill>
-                        <a:srgbClr val="000000"/>
+                        <a:srgbClr val="0054A8"/>
                       </a:solidFill>
                       <a:prstDash val="solid"/>
                       <a:round/>
@@ -8589,7 +10425,7 @@
                     </a:lnL>
                     <a:lnR w="12700" cap="flat" cmpd="sng" algn="ctr">
                       <a:solidFill>
-                        <a:srgbClr val="000000"/>
+                        <a:srgbClr val="0054A8"/>
                       </a:solidFill>
                       <a:prstDash val="solid"/>
                       <a:round/>
@@ -8598,7 +10434,7 @@
                     </a:lnR>
                     <a:lnT w="12700" cap="flat" cmpd="sng" algn="ctr">
                       <a:solidFill>
-                        <a:srgbClr val="000000"/>
+                        <a:srgbClr val="0054A8"/>
                       </a:solidFill>
                       <a:prstDash val="solid"/>
                       <a:round/>
@@ -8607,7 +10443,7 @@
                     </a:lnT>
                     <a:lnB w="12700" cap="flat" cmpd="sng" algn="ctr">
                       <a:solidFill>
-                        <a:srgbClr val="000000"/>
+                        <a:srgbClr val="0054A8"/>
                       </a:solidFill>
                       <a:prstDash val="solid"/>
                       <a:round/>
@@ -8627,9 +10463,9 @@
                         </a:spcAft>
                       </a:pPr>
                       <a:r>
-                        <a:rPr lang="zh-CN" sz="1200" b="1" kern="0">
+                        <a:rPr lang="zh-CN" sz="1600" b="1" kern="0">
                           <a:solidFill>
-                            <a:srgbClr val="000000"/>
+                            <a:srgbClr val="0054A8"/>
                           </a:solidFill>
                           <a:latin typeface="Microsoft YaHei" charset="-122"/>
                           <a:ea typeface="Microsoft YaHei" charset="-122"/>
@@ -8637,7 +10473,10 @@
                         </a:rPr>
                         <a:t>前缀</a:t>
                       </a:r>
-                      <a:endParaRPr lang="zh-CN" sz="1200" kern="100">
+                      <a:endParaRPr lang="zh-CN" sz="1600" kern="100">
+                        <a:solidFill>
+                          <a:srgbClr val="0054A8"/>
+                        </a:solidFill>
                         <a:latin typeface="Microsoft YaHei" charset="-122"/>
                         <a:ea typeface="Microsoft YaHei" charset="-122"/>
                         <a:cs typeface="Microsoft YaHei" charset="-122"/>
@@ -8647,7 +10486,7 @@
                   <a:tcPr marL="161298" marR="161298" marT="0" marB="0" anchor="ctr">
                     <a:lnL w="12700" cap="flat" cmpd="sng" algn="ctr">
                       <a:solidFill>
-                        <a:srgbClr val="000000"/>
+                        <a:srgbClr val="0054A8"/>
                       </a:solidFill>
                       <a:prstDash val="solid"/>
                       <a:round/>
@@ -8656,7 +10495,7 @@
                     </a:lnL>
                     <a:lnR w="12700" cap="flat" cmpd="sng" algn="ctr">
                       <a:solidFill>
-                        <a:srgbClr val="000000"/>
+                        <a:srgbClr val="0054A8"/>
                       </a:solidFill>
                       <a:prstDash val="solid"/>
                       <a:round/>
@@ -8665,7 +10504,7 @@
                     </a:lnR>
                     <a:lnT w="12700" cap="flat" cmpd="sng" algn="ctr">
                       <a:solidFill>
-                        <a:srgbClr val="000000"/>
+                        <a:srgbClr val="0054A8"/>
                       </a:solidFill>
                       <a:prstDash val="solid"/>
                       <a:round/>
@@ -8674,7 +10513,7 @@
                     </a:lnT>
                     <a:lnB w="12700" cap="flat" cmpd="sng" algn="ctr">
                       <a:solidFill>
-                        <a:srgbClr val="000000"/>
+                        <a:srgbClr val="0054A8"/>
                       </a:solidFill>
                       <a:prstDash val="solid"/>
                       <a:round/>
@@ -8694,9 +10533,9 @@
                         </a:spcAft>
                       </a:pPr>
                       <a:r>
-                        <a:rPr lang="zh-CN" sz="1200" b="1" kern="0">
+                        <a:rPr lang="zh-CN" sz="1600" b="1" kern="0">
                           <a:solidFill>
-                            <a:srgbClr val="000000"/>
+                            <a:srgbClr val="0054A8"/>
                           </a:solidFill>
                           <a:latin typeface="Microsoft YaHei" charset="-122"/>
                           <a:ea typeface="Microsoft YaHei" charset="-122"/>
@@ -8704,7 +10543,10 @@
                         </a:rPr>
                         <a:t>类型</a:t>
                       </a:r>
-                      <a:endParaRPr lang="zh-CN" sz="1200" kern="100">
+                      <a:endParaRPr lang="zh-CN" sz="1600" kern="100">
+                        <a:solidFill>
+                          <a:srgbClr val="0054A8"/>
+                        </a:solidFill>
                         <a:latin typeface="Microsoft YaHei" charset="-122"/>
                         <a:ea typeface="Microsoft YaHei" charset="-122"/>
                         <a:cs typeface="Microsoft YaHei" charset="-122"/>
@@ -8714,7 +10556,7 @@
                   <a:tcPr marL="161298" marR="161298" marT="0" marB="0" anchor="ctr">
                     <a:lnL w="12700" cap="flat" cmpd="sng" algn="ctr">
                       <a:solidFill>
-                        <a:srgbClr val="000000"/>
+                        <a:srgbClr val="0054A8"/>
                       </a:solidFill>
                       <a:prstDash val="solid"/>
                       <a:round/>
@@ -8723,7 +10565,7 @@
                     </a:lnL>
                     <a:lnR w="12700" cap="flat" cmpd="sng" algn="ctr">
                       <a:solidFill>
-                        <a:srgbClr val="000000"/>
+                        <a:srgbClr val="0054A8"/>
                       </a:solidFill>
                       <a:prstDash val="solid"/>
                       <a:round/>
@@ -8732,7 +10574,7 @@
                     </a:lnR>
                     <a:lnT w="12700" cap="flat" cmpd="sng" algn="ctr">
                       <a:solidFill>
-                        <a:srgbClr val="000000"/>
+                        <a:srgbClr val="0054A8"/>
                       </a:solidFill>
                       <a:prstDash val="solid"/>
                       <a:round/>
@@ -8741,7 +10583,7 @@
                     </a:lnT>
                     <a:lnB w="12700" cap="flat" cmpd="sng" algn="ctr">
                       <a:solidFill>
-                        <a:srgbClr val="000000"/>
+                        <a:srgbClr val="0054A8"/>
                       </a:solidFill>
                       <a:prstDash val="solid"/>
                       <a:round/>
@@ -8761,9 +10603,9 @@
                         </a:spcAft>
                       </a:pPr>
                       <a:r>
-                        <a:rPr lang="zh-CN" sz="1200" b="1" kern="0">
+                        <a:rPr lang="zh-CN" sz="1600" b="1" kern="0">
                           <a:solidFill>
-                            <a:srgbClr val="000000"/>
+                            <a:srgbClr val="0054A8"/>
                           </a:solidFill>
                           <a:latin typeface="Microsoft YaHei" charset="-122"/>
                           <a:ea typeface="Microsoft YaHei" charset="-122"/>
@@ -8771,7 +10613,10 @@
                         </a:rPr>
                         <a:t>实例</a:t>
                       </a:r>
-                      <a:endParaRPr lang="zh-CN" sz="1200" kern="100">
+                      <a:endParaRPr lang="zh-CN" sz="1600" kern="100">
+                        <a:solidFill>
+                          <a:srgbClr val="0054A8"/>
+                        </a:solidFill>
                         <a:latin typeface="Microsoft YaHei" charset="-122"/>
                         <a:ea typeface="Microsoft YaHei" charset="-122"/>
                         <a:cs typeface="Microsoft YaHei" charset="-122"/>
@@ -8781,7 +10626,7 @@
                   <a:tcPr marL="161298" marR="161298" marT="0" marB="0" anchor="ctr">
                     <a:lnL w="12700" cap="flat" cmpd="sng" algn="ctr">
                       <a:solidFill>
-                        <a:srgbClr val="000000"/>
+                        <a:srgbClr val="0054A8"/>
                       </a:solidFill>
                       <a:prstDash val="solid"/>
                       <a:round/>
@@ -8790,7 +10635,7 @@
                     </a:lnL>
                     <a:lnR w="12700" cap="flat" cmpd="sng" algn="ctr">
                       <a:solidFill>
-                        <a:srgbClr val="000000"/>
+                        <a:srgbClr val="0054A8"/>
                       </a:solidFill>
                       <a:prstDash val="solid"/>
                       <a:round/>
@@ -8799,7 +10644,7 @@
                     </a:lnR>
                     <a:lnT w="12700" cap="flat" cmpd="sng" algn="ctr">
                       <a:solidFill>
-                        <a:srgbClr val="000000"/>
+                        <a:srgbClr val="0054A8"/>
                       </a:solidFill>
                       <a:prstDash val="solid"/>
                       <a:round/>
@@ -8808,7 +10653,7 @@
                     </a:lnT>
                     <a:lnB w="12700" cap="flat" cmpd="sng" algn="ctr">
                       <a:solidFill>
-                        <a:srgbClr val="000000"/>
+                        <a:srgbClr val="0054A8"/>
                       </a:solidFill>
                       <a:prstDash val="solid"/>
                       <a:round/>
@@ -8818,7 +10663,7 @@
                   </a:tcPr>
                 </a:tc>
               </a:tr>
-              <a:tr h="302890">
+              <a:tr h="374441">
                 <a:tc>
                   <a:txBody>
                     <a:bodyPr/>
@@ -8830,9 +10675,9 @@
                         </a:spcAft>
                       </a:pPr>
                       <a:r>
-                        <a:rPr lang="zh-CN" sz="1200" kern="0">
+                        <a:rPr lang="zh-CN" sz="1600" kern="0">
                           <a:solidFill>
-                            <a:srgbClr val="000000"/>
+                            <a:srgbClr val="0054A8"/>
                           </a:solidFill>
                           <a:latin typeface="Microsoft YaHei" charset="-122"/>
                           <a:ea typeface="Microsoft YaHei" charset="-122"/>
@@ -8840,7 +10685,10 @@
                         </a:rPr>
                         <a:t>数组</a:t>
                       </a:r>
-                      <a:endParaRPr lang="zh-CN" sz="1200" kern="100">
+                      <a:endParaRPr lang="zh-CN" sz="1600" kern="100">
+                        <a:solidFill>
+                          <a:srgbClr val="0054A8"/>
+                        </a:solidFill>
                         <a:latin typeface="Microsoft YaHei" charset="-122"/>
                         <a:ea typeface="Microsoft YaHei" charset="-122"/>
                         <a:cs typeface="Microsoft YaHei" charset="-122"/>
@@ -8850,7 +10698,7 @@
                   <a:tcPr marL="161298" marR="161298" marT="0" marB="0" anchor="ctr">
                     <a:lnL w="12700" cap="flat" cmpd="sng" algn="ctr">
                       <a:solidFill>
-                        <a:srgbClr val="000000"/>
+                        <a:srgbClr val="0054A8"/>
                       </a:solidFill>
                       <a:prstDash val="solid"/>
                       <a:round/>
@@ -8859,7 +10707,7 @@
                     </a:lnL>
                     <a:lnR w="12700" cap="flat" cmpd="sng" algn="ctr">
                       <a:solidFill>
-                        <a:srgbClr val="000000"/>
+                        <a:srgbClr val="0054A8"/>
                       </a:solidFill>
                       <a:prstDash val="solid"/>
                       <a:round/>
@@ -8868,7 +10716,7 @@
                     </a:lnR>
                     <a:lnT w="12700" cap="flat" cmpd="sng" algn="ctr">
                       <a:solidFill>
-                        <a:srgbClr val="000000"/>
+                        <a:srgbClr val="0054A8"/>
                       </a:solidFill>
                       <a:prstDash val="solid"/>
                       <a:round/>
@@ -8877,7 +10725,7 @@
                     </a:lnT>
                     <a:lnB w="12700" cap="flat" cmpd="sng" algn="ctr">
                       <a:solidFill>
-                        <a:srgbClr val="000000"/>
+                        <a:srgbClr val="0054A8"/>
                       </a:solidFill>
                       <a:prstDash val="solid"/>
                       <a:round/>
@@ -8897,9 +10745,9 @@
                         </a:spcAft>
                       </a:pPr>
                       <a:r>
-                        <a:rPr lang="en-US" sz="1200" kern="0">
+                        <a:rPr lang="en-US" sz="1600" kern="0" dirty="0">
                           <a:solidFill>
-                            <a:srgbClr val="000000"/>
+                            <a:srgbClr val="0054A8"/>
                           </a:solidFill>
                           <a:latin typeface="Microsoft YaHei" charset="-122"/>
                           <a:ea typeface="Microsoft YaHei" charset="-122"/>
@@ -8907,7 +10755,10 @@
                         </a:rPr>
                         <a:t>a</a:t>
                       </a:r>
-                      <a:endParaRPr lang="zh-CN" sz="1200" kern="100">
+                      <a:endParaRPr lang="zh-CN" sz="1600" kern="100" dirty="0">
+                        <a:solidFill>
+                          <a:srgbClr val="0054A8"/>
+                        </a:solidFill>
                         <a:latin typeface="Microsoft YaHei" charset="-122"/>
                         <a:ea typeface="Microsoft YaHei" charset="-122"/>
                         <a:cs typeface="Microsoft YaHei" charset="-122"/>
@@ -8917,7 +10768,7 @@
                   <a:tcPr marL="161298" marR="161298" marT="0" marB="0" anchor="ctr">
                     <a:lnL w="12700" cap="flat" cmpd="sng" algn="ctr">
                       <a:solidFill>
-                        <a:srgbClr val="000000"/>
+                        <a:srgbClr val="0054A8"/>
                       </a:solidFill>
                       <a:prstDash val="solid"/>
                       <a:round/>
@@ -8926,7 +10777,7 @@
                     </a:lnL>
                     <a:lnR w="12700" cap="flat" cmpd="sng" algn="ctr">
                       <a:solidFill>
-                        <a:srgbClr val="000000"/>
+                        <a:srgbClr val="0054A8"/>
                       </a:solidFill>
                       <a:prstDash val="solid"/>
                       <a:round/>
@@ -8935,7 +10786,7 @@
                     </a:lnR>
                     <a:lnT w="12700" cap="flat" cmpd="sng" algn="ctr">
                       <a:solidFill>
-                        <a:srgbClr val="000000"/>
+                        <a:srgbClr val="0054A8"/>
                       </a:solidFill>
                       <a:prstDash val="solid"/>
                       <a:round/>
@@ -8944,7 +10795,7 @@
                     </a:lnT>
                     <a:lnB w="12700" cap="flat" cmpd="sng" algn="ctr">
                       <a:solidFill>
-                        <a:srgbClr val="000000"/>
+                        <a:srgbClr val="0054A8"/>
                       </a:solidFill>
                       <a:prstDash val="solid"/>
                       <a:round/>
@@ -8964,9 +10815,9 @@
                         </a:spcAft>
                       </a:pPr>
                       <a:r>
-                        <a:rPr lang="en-US" sz="1200" kern="0">
+                        <a:rPr lang="en-US" sz="1600" kern="0">
                           <a:solidFill>
-                            <a:srgbClr val="000000"/>
+                            <a:srgbClr val="0054A8"/>
                           </a:solidFill>
                           <a:latin typeface="Microsoft YaHei" charset="-122"/>
                           <a:ea typeface="Microsoft YaHei" charset="-122"/>
@@ -8974,7 +10825,10 @@
                         </a:rPr>
                         <a:t>Array</a:t>
                       </a:r>
-                      <a:endParaRPr lang="zh-CN" sz="1200" kern="100">
+                      <a:endParaRPr lang="zh-CN" sz="1600" kern="100">
+                        <a:solidFill>
+                          <a:srgbClr val="0054A8"/>
+                        </a:solidFill>
                         <a:latin typeface="Microsoft YaHei" charset="-122"/>
                         <a:ea typeface="Microsoft YaHei" charset="-122"/>
                         <a:cs typeface="Microsoft YaHei" charset="-122"/>
@@ -8984,7 +10838,7 @@
                   <a:tcPr marL="161298" marR="161298" marT="0" marB="0" anchor="ctr">
                     <a:lnL w="12700" cap="flat" cmpd="sng" algn="ctr">
                       <a:solidFill>
-                        <a:srgbClr val="000000"/>
+                        <a:srgbClr val="0054A8"/>
                       </a:solidFill>
                       <a:prstDash val="solid"/>
                       <a:round/>
@@ -8993,7 +10847,7 @@
                     </a:lnL>
                     <a:lnR w="12700" cap="flat" cmpd="sng" algn="ctr">
                       <a:solidFill>
-                        <a:srgbClr val="000000"/>
+                        <a:srgbClr val="0054A8"/>
                       </a:solidFill>
                       <a:prstDash val="solid"/>
                       <a:round/>
@@ -9002,7 +10856,7 @@
                     </a:lnR>
                     <a:lnT w="12700" cap="flat" cmpd="sng" algn="ctr">
                       <a:solidFill>
-                        <a:srgbClr val="000000"/>
+                        <a:srgbClr val="0054A8"/>
                       </a:solidFill>
                       <a:prstDash val="solid"/>
                       <a:round/>
@@ -9011,7 +10865,7 @@
                     </a:lnT>
                     <a:lnB w="12700" cap="flat" cmpd="sng" algn="ctr">
                       <a:solidFill>
-                        <a:srgbClr val="000000"/>
+                        <a:srgbClr val="0054A8"/>
                       </a:solidFill>
                       <a:prstDash val="solid"/>
                       <a:round/>
@@ -9031,9 +10885,9 @@
                         </a:spcAft>
                       </a:pPr>
                       <a:r>
-                        <a:rPr lang="en-US" sz="1200" kern="0">
+                        <a:rPr lang="en-US" sz="1600" kern="0" dirty="0" err="1">
                           <a:solidFill>
-                            <a:srgbClr val="000000"/>
+                            <a:srgbClr val="0054A8"/>
                           </a:solidFill>
                           <a:latin typeface="Microsoft YaHei" charset="-122"/>
                           <a:ea typeface="Microsoft YaHei" charset="-122"/>
@@ -9041,7 +10895,10 @@
                         </a:rPr>
                         <a:t>aItems</a:t>
                       </a:r>
-                      <a:endParaRPr lang="zh-CN" sz="1200" kern="100">
+                      <a:endParaRPr lang="zh-CN" sz="1600" kern="100" dirty="0">
+                        <a:solidFill>
+                          <a:srgbClr val="0054A8"/>
+                        </a:solidFill>
                         <a:latin typeface="Microsoft YaHei" charset="-122"/>
                         <a:ea typeface="Microsoft YaHei" charset="-122"/>
                         <a:cs typeface="Microsoft YaHei" charset="-122"/>
@@ -9051,7 +10908,7 @@
                   <a:tcPr marL="161298" marR="161298" marT="0" marB="0" anchor="ctr">
                     <a:lnL w="12700" cap="flat" cmpd="sng" algn="ctr">
                       <a:solidFill>
-                        <a:srgbClr val="000000"/>
+                        <a:srgbClr val="0054A8"/>
                       </a:solidFill>
                       <a:prstDash val="solid"/>
                       <a:round/>
@@ -9060,7 +10917,7 @@
                     </a:lnL>
                     <a:lnR w="12700" cap="flat" cmpd="sng" algn="ctr">
                       <a:solidFill>
-                        <a:srgbClr val="000000"/>
+                        <a:srgbClr val="0054A8"/>
                       </a:solidFill>
                       <a:prstDash val="solid"/>
                       <a:round/>
@@ -9069,7 +10926,7 @@
                     </a:lnR>
                     <a:lnT w="12700" cap="flat" cmpd="sng" algn="ctr">
                       <a:solidFill>
-                        <a:srgbClr val="000000"/>
+                        <a:srgbClr val="0054A8"/>
                       </a:solidFill>
                       <a:prstDash val="solid"/>
                       <a:round/>
@@ -9078,7 +10935,7 @@
                     </a:lnT>
                     <a:lnB w="12700" cap="flat" cmpd="sng" algn="ctr">
                       <a:solidFill>
-                        <a:srgbClr val="000000"/>
+                        <a:srgbClr val="0054A8"/>
                       </a:solidFill>
                       <a:prstDash val="solid"/>
                       <a:round/>
@@ -9088,7 +10945,7 @@
                   </a:tcPr>
                 </a:tc>
               </a:tr>
-              <a:tr h="302890">
+              <a:tr h="374441">
                 <a:tc>
                   <a:txBody>
                     <a:bodyPr/>
@@ -9100,9 +10957,9 @@
                         </a:spcAft>
                       </a:pPr>
                       <a:r>
-                        <a:rPr lang="zh-CN" sz="1200" kern="0">
+                        <a:rPr lang="zh-CN" sz="1600" kern="0">
                           <a:solidFill>
-                            <a:srgbClr val="000000"/>
+                            <a:srgbClr val="0054A8"/>
                           </a:solidFill>
                           <a:latin typeface="Microsoft YaHei" charset="-122"/>
                           <a:ea typeface="Microsoft YaHei" charset="-122"/>
@@ -9110,7 +10967,10 @@
                         </a:rPr>
                         <a:t>布尔值</a:t>
                       </a:r>
-                      <a:endParaRPr lang="zh-CN" sz="1200" kern="100">
+                      <a:endParaRPr lang="zh-CN" sz="1600" kern="100">
+                        <a:solidFill>
+                          <a:srgbClr val="0054A8"/>
+                        </a:solidFill>
                         <a:latin typeface="Microsoft YaHei" charset="-122"/>
                         <a:ea typeface="Microsoft YaHei" charset="-122"/>
                         <a:cs typeface="Microsoft YaHei" charset="-122"/>
@@ -9120,7 +10980,7 @@
                   <a:tcPr marL="161298" marR="161298" marT="0" marB="0" anchor="ctr">
                     <a:lnL w="12700" cap="flat" cmpd="sng" algn="ctr">
                       <a:solidFill>
-                        <a:srgbClr val="000000"/>
+                        <a:srgbClr val="0054A8"/>
                       </a:solidFill>
                       <a:prstDash val="solid"/>
                       <a:round/>
@@ -9129,7 +10989,7 @@
                     </a:lnL>
                     <a:lnR w="12700" cap="flat" cmpd="sng" algn="ctr">
                       <a:solidFill>
-                        <a:srgbClr val="000000"/>
+                        <a:srgbClr val="0054A8"/>
                       </a:solidFill>
                       <a:prstDash val="solid"/>
                       <a:round/>
@@ -9138,7 +10998,7 @@
                     </a:lnR>
                     <a:lnT w="12700" cap="flat" cmpd="sng" algn="ctr">
                       <a:solidFill>
-                        <a:srgbClr val="000000"/>
+                        <a:srgbClr val="0054A8"/>
                       </a:solidFill>
                       <a:prstDash val="solid"/>
                       <a:round/>
@@ -9147,7 +11007,7 @@
                     </a:lnT>
                     <a:lnB w="12700" cap="flat" cmpd="sng" algn="ctr">
                       <a:solidFill>
-                        <a:srgbClr val="000000"/>
+                        <a:srgbClr val="0054A8"/>
                       </a:solidFill>
                       <a:prstDash val="solid"/>
                       <a:round/>
@@ -9167,9 +11027,9 @@
                         </a:spcAft>
                       </a:pPr>
                       <a:r>
-                        <a:rPr lang="en-US" sz="1200" kern="0">
+                        <a:rPr lang="en-US" sz="1600" kern="0">
                           <a:solidFill>
-                            <a:srgbClr val="000000"/>
+                            <a:srgbClr val="0054A8"/>
                           </a:solidFill>
                           <a:latin typeface="Microsoft YaHei" charset="-122"/>
                           <a:ea typeface="Microsoft YaHei" charset="-122"/>
@@ -9177,7 +11037,10 @@
                         </a:rPr>
                         <a:t>b</a:t>
                       </a:r>
-                      <a:endParaRPr lang="zh-CN" sz="1200" kern="100">
+                      <a:endParaRPr lang="zh-CN" sz="1600" kern="100">
+                        <a:solidFill>
+                          <a:srgbClr val="0054A8"/>
+                        </a:solidFill>
                         <a:latin typeface="Microsoft YaHei" charset="-122"/>
                         <a:ea typeface="Microsoft YaHei" charset="-122"/>
                         <a:cs typeface="Microsoft YaHei" charset="-122"/>
@@ -9187,7 +11050,7 @@
                   <a:tcPr marL="161298" marR="161298" marT="0" marB="0" anchor="ctr">
                     <a:lnL w="12700" cap="flat" cmpd="sng" algn="ctr">
                       <a:solidFill>
-                        <a:srgbClr val="000000"/>
+                        <a:srgbClr val="0054A8"/>
                       </a:solidFill>
                       <a:prstDash val="solid"/>
                       <a:round/>
@@ -9196,7 +11059,7 @@
                     </a:lnL>
                     <a:lnR w="12700" cap="flat" cmpd="sng" algn="ctr">
                       <a:solidFill>
-                        <a:srgbClr val="000000"/>
+                        <a:srgbClr val="0054A8"/>
                       </a:solidFill>
                       <a:prstDash val="solid"/>
                       <a:round/>
@@ -9205,7 +11068,7 @@
                     </a:lnR>
                     <a:lnT w="12700" cap="flat" cmpd="sng" algn="ctr">
                       <a:solidFill>
-                        <a:srgbClr val="000000"/>
+                        <a:srgbClr val="0054A8"/>
                       </a:solidFill>
                       <a:prstDash val="solid"/>
                       <a:round/>
@@ -9214,7 +11077,7 @@
                     </a:lnT>
                     <a:lnB w="12700" cap="flat" cmpd="sng" algn="ctr">
                       <a:solidFill>
-                        <a:srgbClr val="000000"/>
+                        <a:srgbClr val="0054A8"/>
                       </a:solidFill>
                       <a:prstDash val="solid"/>
                       <a:round/>
@@ -9234,9 +11097,9 @@
                         </a:spcAft>
                       </a:pPr>
                       <a:r>
-                        <a:rPr lang="en-US" sz="1200" kern="0">
+                        <a:rPr lang="en-US" sz="1600" kern="0">
                           <a:solidFill>
-                            <a:srgbClr val="000000"/>
+                            <a:srgbClr val="0054A8"/>
                           </a:solidFill>
                           <a:latin typeface="Microsoft YaHei" charset="-122"/>
                           <a:ea typeface="Microsoft YaHei" charset="-122"/>
@@ -9244,7 +11107,10 @@
                         </a:rPr>
                         <a:t>Boolean</a:t>
                       </a:r>
-                      <a:endParaRPr lang="zh-CN" sz="1200" kern="100">
+                      <a:endParaRPr lang="zh-CN" sz="1600" kern="100">
+                        <a:solidFill>
+                          <a:srgbClr val="0054A8"/>
+                        </a:solidFill>
                         <a:latin typeface="Microsoft YaHei" charset="-122"/>
                         <a:ea typeface="Microsoft YaHei" charset="-122"/>
                         <a:cs typeface="Microsoft YaHei" charset="-122"/>
@@ -9254,7 +11120,7 @@
                   <a:tcPr marL="161298" marR="161298" marT="0" marB="0" anchor="ctr">
                     <a:lnL w="12700" cap="flat" cmpd="sng" algn="ctr">
                       <a:solidFill>
-                        <a:srgbClr val="000000"/>
+                        <a:srgbClr val="0054A8"/>
                       </a:solidFill>
                       <a:prstDash val="solid"/>
                       <a:round/>
@@ -9263,7 +11129,7 @@
                     </a:lnL>
                     <a:lnR w="12700" cap="flat" cmpd="sng" algn="ctr">
                       <a:solidFill>
-                        <a:srgbClr val="000000"/>
+                        <a:srgbClr val="0054A8"/>
                       </a:solidFill>
                       <a:prstDash val="solid"/>
                       <a:round/>
@@ -9272,7 +11138,7 @@
                     </a:lnR>
                     <a:lnT w="12700" cap="flat" cmpd="sng" algn="ctr">
                       <a:solidFill>
-                        <a:srgbClr val="000000"/>
+                        <a:srgbClr val="0054A8"/>
                       </a:solidFill>
                       <a:prstDash val="solid"/>
                       <a:round/>
@@ -9281,7 +11147,7 @@
                     </a:lnT>
                     <a:lnB w="12700" cap="flat" cmpd="sng" algn="ctr">
                       <a:solidFill>
-                        <a:srgbClr val="000000"/>
+                        <a:srgbClr val="0054A8"/>
                       </a:solidFill>
                       <a:prstDash val="solid"/>
                       <a:round/>
@@ -9301,9 +11167,9 @@
                         </a:spcAft>
                       </a:pPr>
                       <a:r>
-                        <a:rPr lang="en-US" sz="1200" kern="0">
+                        <a:rPr lang="en-US" sz="1600" kern="0" dirty="0" err="1">
                           <a:solidFill>
-                            <a:srgbClr val="000000"/>
+                            <a:srgbClr val="0054A8"/>
                           </a:solidFill>
                           <a:latin typeface="Microsoft YaHei" charset="-122"/>
                           <a:ea typeface="Microsoft YaHei" charset="-122"/>
@@ -9311,7 +11177,10 @@
                         </a:rPr>
                         <a:t>bIsComplete</a:t>
                       </a:r>
-                      <a:endParaRPr lang="zh-CN" sz="1200" kern="100">
+                      <a:endParaRPr lang="zh-CN" sz="1600" kern="100" dirty="0">
+                        <a:solidFill>
+                          <a:srgbClr val="0054A8"/>
+                        </a:solidFill>
                         <a:latin typeface="Microsoft YaHei" charset="-122"/>
                         <a:ea typeface="Microsoft YaHei" charset="-122"/>
                         <a:cs typeface="Microsoft YaHei" charset="-122"/>
@@ -9321,7 +11190,7 @@
                   <a:tcPr marL="161298" marR="161298" marT="0" marB="0" anchor="ctr">
                     <a:lnL w="12700" cap="flat" cmpd="sng" algn="ctr">
                       <a:solidFill>
-                        <a:srgbClr val="000000"/>
+                        <a:srgbClr val="0054A8"/>
                       </a:solidFill>
                       <a:prstDash val="solid"/>
                       <a:round/>
@@ -9330,7 +11199,7 @@
                     </a:lnL>
                     <a:lnR w="12700" cap="flat" cmpd="sng" algn="ctr">
                       <a:solidFill>
-                        <a:srgbClr val="000000"/>
+                        <a:srgbClr val="0054A8"/>
                       </a:solidFill>
                       <a:prstDash val="solid"/>
                       <a:round/>
@@ -9339,7 +11208,7 @@
                     </a:lnR>
                     <a:lnT w="12700" cap="flat" cmpd="sng" algn="ctr">
                       <a:solidFill>
-                        <a:srgbClr val="000000"/>
+                        <a:srgbClr val="0054A8"/>
                       </a:solidFill>
                       <a:prstDash val="solid"/>
                       <a:round/>
@@ -9348,7 +11217,7 @@
                     </a:lnT>
                     <a:lnB w="12700" cap="flat" cmpd="sng" algn="ctr">
                       <a:solidFill>
-                        <a:srgbClr val="000000"/>
+                        <a:srgbClr val="0054A8"/>
                       </a:solidFill>
                       <a:prstDash val="solid"/>
                       <a:round/>
@@ -9358,7 +11227,7 @@
                   </a:tcPr>
                 </a:tc>
               </a:tr>
-              <a:tr h="302890">
+              <a:tr h="374441">
                 <a:tc>
                   <a:txBody>
                     <a:bodyPr/>
@@ -9370,9 +11239,9 @@
                         </a:spcAft>
                       </a:pPr>
                       <a:r>
-                        <a:rPr lang="zh-CN" sz="1200" kern="0">
+                        <a:rPr lang="zh-CN" sz="1600" kern="0" dirty="0" smtClean="0">
                           <a:solidFill>
-                            <a:srgbClr val="000000"/>
+                            <a:srgbClr val="0054A8"/>
                           </a:solidFill>
                           <a:latin typeface="Microsoft YaHei" charset="-122"/>
                           <a:ea typeface="Microsoft YaHei" charset="-122"/>
@@ -9380,7 +11249,21 @@
                         </a:rPr>
                         <a:t>浮点数</a:t>
                       </a:r>
-                      <a:endParaRPr lang="zh-CN" sz="1200" kern="100">
+                      <a:r>
+                        <a:rPr lang="zh-CN" altLang="en-US" sz="1600" kern="0" dirty="0" smtClean="0">
+                          <a:solidFill>
+                            <a:srgbClr val="0054A8"/>
+                          </a:solidFill>
+                          <a:latin typeface="Microsoft YaHei" charset="-122"/>
+                          <a:ea typeface="Microsoft YaHei" charset="-122"/>
+                          <a:cs typeface="Microsoft YaHei" charset="-122"/>
+                        </a:rPr>
+                        <a:t>（小数）</a:t>
+                      </a:r>
+                      <a:endParaRPr lang="zh-CN" sz="1600" kern="100" dirty="0">
+                        <a:solidFill>
+                          <a:srgbClr val="0054A8"/>
+                        </a:solidFill>
                         <a:latin typeface="Microsoft YaHei" charset="-122"/>
                         <a:ea typeface="Microsoft YaHei" charset="-122"/>
                         <a:cs typeface="Microsoft YaHei" charset="-122"/>
@@ -9390,7 +11273,7 @@
                   <a:tcPr marL="161298" marR="161298" marT="0" marB="0" anchor="ctr">
                     <a:lnL w="12700" cap="flat" cmpd="sng" algn="ctr">
                       <a:solidFill>
-                        <a:srgbClr val="000000"/>
+                        <a:srgbClr val="0054A8"/>
                       </a:solidFill>
                       <a:prstDash val="solid"/>
                       <a:round/>
@@ -9399,7 +11282,7 @@
                     </a:lnL>
                     <a:lnR w="12700" cap="flat" cmpd="sng" algn="ctr">
                       <a:solidFill>
-                        <a:srgbClr val="000000"/>
+                        <a:srgbClr val="0054A8"/>
                       </a:solidFill>
                       <a:prstDash val="solid"/>
                       <a:round/>
@@ -9408,7 +11291,7 @@
                     </a:lnR>
                     <a:lnT w="12700" cap="flat" cmpd="sng" algn="ctr">
                       <a:solidFill>
-                        <a:srgbClr val="000000"/>
+                        <a:srgbClr val="0054A8"/>
                       </a:solidFill>
                       <a:prstDash val="solid"/>
                       <a:round/>
@@ -9417,7 +11300,7 @@
                     </a:lnT>
                     <a:lnB w="12700" cap="flat" cmpd="sng" algn="ctr">
                       <a:solidFill>
-                        <a:srgbClr val="000000"/>
+                        <a:srgbClr val="0054A8"/>
                       </a:solidFill>
                       <a:prstDash val="solid"/>
                       <a:round/>
@@ -9437,9 +11320,9 @@
                         </a:spcAft>
                       </a:pPr>
                       <a:r>
-                        <a:rPr lang="en-US" sz="1200" kern="0" dirty="0">
+                        <a:rPr lang="en-US" sz="1600" kern="0" dirty="0">
                           <a:solidFill>
-                            <a:srgbClr val="000000"/>
+                            <a:srgbClr val="0054A8"/>
                           </a:solidFill>
                           <a:latin typeface="Microsoft YaHei" charset="-122"/>
                           <a:ea typeface="Microsoft YaHei" charset="-122"/>
@@ -9447,7 +11330,10 @@
                         </a:rPr>
                         <a:t>f</a:t>
                       </a:r>
-                      <a:endParaRPr lang="zh-CN" sz="1200" kern="100" dirty="0">
+                      <a:endParaRPr lang="zh-CN" sz="1600" kern="100" dirty="0">
+                        <a:solidFill>
+                          <a:srgbClr val="0054A8"/>
+                        </a:solidFill>
                         <a:latin typeface="Microsoft YaHei" charset="-122"/>
                         <a:ea typeface="Microsoft YaHei" charset="-122"/>
                         <a:cs typeface="Microsoft YaHei" charset="-122"/>
@@ -9457,7 +11343,7 @@
                   <a:tcPr marL="161298" marR="161298" marT="0" marB="0" anchor="ctr">
                     <a:lnL w="12700" cap="flat" cmpd="sng" algn="ctr">
                       <a:solidFill>
-                        <a:srgbClr val="000000"/>
+                        <a:srgbClr val="0054A8"/>
                       </a:solidFill>
                       <a:prstDash val="solid"/>
                       <a:round/>
@@ -9466,7 +11352,7 @@
                     </a:lnL>
                     <a:lnR w="12700" cap="flat" cmpd="sng" algn="ctr">
                       <a:solidFill>
-                        <a:srgbClr val="000000"/>
+                        <a:srgbClr val="0054A8"/>
                       </a:solidFill>
                       <a:prstDash val="solid"/>
                       <a:round/>
@@ -9475,7 +11361,7 @@
                     </a:lnR>
                     <a:lnT w="12700" cap="flat" cmpd="sng" algn="ctr">
                       <a:solidFill>
-                        <a:srgbClr val="000000"/>
+                        <a:srgbClr val="0054A8"/>
                       </a:solidFill>
                       <a:prstDash val="solid"/>
                       <a:round/>
@@ -9484,7 +11370,7 @@
                     </a:lnT>
                     <a:lnB w="12700" cap="flat" cmpd="sng" algn="ctr">
                       <a:solidFill>
-                        <a:srgbClr val="000000"/>
+                        <a:srgbClr val="0054A8"/>
                       </a:solidFill>
                       <a:prstDash val="solid"/>
                       <a:round/>
@@ -9504,9 +11390,9 @@
                         </a:spcAft>
                       </a:pPr>
                       <a:r>
-                        <a:rPr lang="en-US" sz="1200" kern="0">
+                        <a:rPr lang="en-US" sz="1600" kern="0" dirty="0">
                           <a:solidFill>
-                            <a:srgbClr val="000000"/>
+                            <a:srgbClr val="0054A8"/>
                           </a:solidFill>
                           <a:latin typeface="Microsoft YaHei" charset="-122"/>
                           <a:ea typeface="Microsoft YaHei" charset="-122"/>
@@ -9514,7 +11400,10 @@
                         </a:rPr>
                         <a:t>Float</a:t>
                       </a:r>
-                      <a:endParaRPr lang="zh-CN" sz="1200" kern="100">
+                      <a:endParaRPr lang="zh-CN" sz="1600" kern="100" dirty="0">
+                        <a:solidFill>
+                          <a:srgbClr val="0054A8"/>
+                        </a:solidFill>
                         <a:latin typeface="Microsoft YaHei" charset="-122"/>
                         <a:ea typeface="Microsoft YaHei" charset="-122"/>
                         <a:cs typeface="Microsoft YaHei" charset="-122"/>
@@ -9524,7 +11413,7 @@
                   <a:tcPr marL="161298" marR="161298" marT="0" marB="0" anchor="ctr">
                     <a:lnL w="12700" cap="flat" cmpd="sng" algn="ctr">
                       <a:solidFill>
-                        <a:srgbClr val="000000"/>
+                        <a:srgbClr val="0054A8"/>
                       </a:solidFill>
                       <a:prstDash val="solid"/>
                       <a:round/>
@@ -9533,7 +11422,7 @@
                     </a:lnL>
                     <a:lnR w="12700" cap="flat" cmpd="sng" algn="ctr">
                       <a:solidFill>
-                        <a:srgbClr val="000000"/>
+                        <a:srgbClr val="0054A8"/>
                       </a:solidFill>
                       <a:prstDash val="solid"/>
                       <a:round/>
@@ -9542,7 +11431,7 @@
                     </a:lnR>
                     <a:lnT w="12700" cap="flat" cmpd="sng" algn="ctr">
                       <a:solidFill>
-                        <a:srgbClr val="000000"/>
+                        <a:srgbClr val="0054A8"/>
                       </a:solidFill>
                       <a:prstDash val="solid"/>
                       <a:round/>
@@ -9551,7 +11440,7 @@
                     </a:lnT>
                     <a:lnB w="12700" cap="flat" cmpd="sng" algn="ctr">
                       <a:solidFill>
-                        <a:srgbClr val="000000"/>
+                        <a:srgbClr val="0054A8"/>
                       </a:solidFill>
                       <a:prstDash val="solid"/>
                       <a:round/>
@@ -9571,9 +11460,9 @@
                         </a:spcAft>
                       </a:pPr>
                       <a:r>
-                        <a:rPr lang="en-US" sz="1200" kern="0">
+                        <a:rPr lang="en-US" sz="1600" kern="0" dirty="0" err="1">
                           <a:solidFill>
-                            <a:srgbClr val="000000"/>
+                            <a:srgbClr val="0054A8"/>
                           </a:solidFill>
                           <a:latin typeface="Microsoft YaHei" charset="-122"/>
                           <a:ea typeface="Microsoft YaHei" charset="-122"/>
@@ -9581,7 +11470,10 @@
                         </a:rPr>
                         <a:t>fPrice</a:t>
                       </a:r>
-                      <a:endParaRPr lang="zh-CN" sz="1200" kern="100">
+                      <a:endParaRPr lang="zh-CN" sz="1600" kern="100" dirty="0">
+                        <a:solidFill>
+                          <a:srgbClr val="0054A8"/>
+                        </a:solidFill>
                         <a:latin typeface="Microsoft YaHei" charset="-122"/>
                         <a:ea typeface="Microsoft YaHei" charset="-122"/>
                         <a:cs typeface="Microsoft YaHei" charset="-122"/>
@@ -9591,7 +11483,7 @@
                   <a:tcPr marL="161298" marR="161298" marT="0" marB="0" anchor="ctr">
                     <a:lnL w="12700" cap="flat" cmpd="sng" algn="ctr">
                       <a:solidFill>
-                        <a:srgbClr val="000000"/>
+                        <a:srgbClr val="0054A8"/>
                       </a:solidFill>
                       <a:prstDash val="solid"/>
                       <a:round/>
@@ -9600,7 +11492,7 @@
                     </a:lnL>
                     <a:lnR w="12700" cap="flat" cmpd="sng" algn="ctr">
                       <a:solidFill>
-                        <a:srgbClr val="000000"/>
+                        <a:srgbClr val="0054A8"/>
                       </a:solidFill>
                       <a:prstDash val="solid"/>
                       <a:round/>
@@ -9609,7 +11501,7 @@
                     </a:lnR>
                     <a:lnT w="12700" cap="flat" cmpd="sng" algn="ctr">
                       <a:solidFill>
-                        <a:srgbClr val="000000"/>
+                        <a:srgbClr val="0054A8"/>
                       </a:solidFill>
                       <a:prstDash val="solid"/>
                       <a:round/>
@@ -9618,7 +11510,7 @@
                     </a:lnT>
                     <a:lnB w="12700" cap="flat" cmpd="sng" algn="ctr">
                       <a:solidFill>
-                        <a:srgbClr val="000000"/>
+                        <a:srgbClr val="0054A8"/>
                       </a:solidFill>
                       <a:prstDash val="solid"/>
                       <a:round/>
@@ -9628,7 +11520,7 @@
                   </a:tcPr>
                 </a:tc>
               </a:tr>
-              <a:tr h="302890">
+              <a:tr h="374441">
                 <a:tc>
                   <a:txBody>
                     <a:bodyPr/>
@@ -9640,9 +11532,9 @@
                         </a:spcAft>
                       </a:pPr>
                       <a:r>
-                        <a:rPr lang="zh-CN" sz="1200" kern="0">
+                        <a:rPr lang="zh-CN" sz="1600" kern="0">
                           <a:solidFill>
-                            <a:srgbClr val="000000"/>
+                            <a:srgbClr val="0054A8"/>
                           </a:solidFill>
                           <a:latin typeface="Microsoft YaHei" charset="-122"/>
                           <a:ea typeface="Microsoft YaHei" charset="-122"/>
@@ -9650,7 +11542,10 @@
                         </a:rPr>
                         <a:t>函数</a:t>
                       </a:r>
-                      <a:endParaRPr lang="zh-CN" sz="1200" kern="100">
+                      <a:endParaRPr lang="zh-CN" sz="1600" kern="100">
+                        <a:solidFill>
+                          <a:srgbClr val="0054A8"/>
+                        </a:solidFill>
                         <a:latin typeface="Microsoft YaHei" charset="-122"/>
                         <a:ea typeface="Microsoft YaHei" charset="-122"/>
                         <a:cs typeface="Microsoft YaHei" charset="-122"/>
@@ -9660,7 +11555,7 @@
                   <a:tcPr marL="161298" marR="161298" marT="0" marB="0" anchor="ctr">
                     <a:lnL w="12700" cap="flat" cmpd="sng" algn="ctr">
                       <a:solidFill>
-                        <a:srgbClr val="000000"/>
+                        <a:srgbClr val="0054A8"/>
                       </a:solidFill>
                       <a:prstDash val="solid"/>
                       <a:round/>
@@ -9669,7 +11564,7 @@
                     </a:lnL>
                     <a:lnR w="12700" cap="flat" cmpd="sng" algn="ctr">
                       <a:solidFill>
-                        <a:srgbClr val="000000"/>
+                        <a:srgbClr val="0054A8"/>
                       </a:solidFill>
                       <a:prstDash val="solid"/>
                       <a:round/>
@@ -9678,7 +11573,7 @@
                     </a:lnR>
                     <a:lnT w="12700" cap="flat" cmpd="sng" algn="ctr">
                       <a:solidFill>
-                        <a:srgbClr val="000000"/>
+                        <a:srgbClr val="0054A8"/>
                       </a:solidFill>
                       <a:prstDash val="solid"/>
                       <a:round/>
@@ -9687,7 +11582,7 @@
                     </a:lnT>
                     <a:lnB w="12700" cap="flat" cmpd="sng" algn="ctr">
                       <a:solidFill>
-                        <a:srgbClr val="000000"/>
+                        <a:srgbClr val="0054A8"/>
                       </a:solidFill>
                       <a:prstDash val="solid"/>
                       <a:round/>
@@ -9707,9 +11602,9 @@
                         </a:spcAft>
                       </a:pPr>
                       <a:r>
-                        <a:rPr lang="en-US" sz="1200" kern="0">
+                        <a:rPr lang="en-US" sz="1600" kern="0">
                           <a:solidFill>
-                            <a:srgbClr val="000000"/>
+                            <a:srgbClr val="0054A8"/>
                           </a:solidFill>
                           <a:latin typeface="Microsoft YaHei" charset="-122"/>
                           <a:ea typeface="Microsoft YaHei" charset="-122"/>
@@ -9717,7 +11612,10 @@
                         </a:rPr>
                         <a:t>fn</a:t>
                       </a:r>
-                      <a:endParaRPr lang="zh-CN" sz="1200" kern="100">
+                      <a:endParaRPr lang="zh-CN" sz="1600" kern="100">
+                        <a:solidFill>
+                          <a:srgbClr val="0054A8"/>
+                        </a:solidFill>
                         <a:latin typeface="Microsoft YaHei" charset="-122"/>
                         <a:ea typeface="Microsoft YaHei" charset="-122"/>
                         <a:cs typeface="Microsoft YaHei" charset="-122"/>
@@ -9727,7 +11625,7 @@
                   <a:tcPr marL="161298" marR="161298" marT="0" marB="0" anchor="ctr">
                     <a:lnL w="12700" cap="flat" cmpd="sng" algn="ctr">
                       <a:solidFill>
-                        <a:srgbClr val="000000"/>
+                        <a:srgbClr val="0054A8"/>
                       </a:solidFill>
                       <a:prstDash val="solid"/>
                       <a:round/>
@@ -9736,7 +11634,7 @@
                     </a:lnL>
                     <a:lnR w="12700" cap="flat" cmpd="sng" algn="ctr">
                       <a:solidFill>
-                        <a:srgbClr val="000000"/>
+                        <a:srgbClr val="0054A8"/>
                       </a:solidFill>
                       <a:prstDash val="solid"/>
                       <a:round/>
@@ -9745,7 +11643,7 @@
                     </a:lnR>
                     <a:lnT w="12700" cap="flat" cmpd="sng" algn="ctr">
                       <a:solidFill>
-                        <a:srgbClr val="000000"/>
+                        <a:srgbClr val="0054A8"/>
                       </a:solidFill>
                       <a:prstDash val="solid"/>
                       <a:round/>
@@ -9754,7 +11652,7 @@
                     </a:lnT>
                     <a:lnB w="12700" cap="flat" cmpd="sng" algn="ctr">
                       <a:solidFill>
-                        <a:srgbClr val="000000"/>
+                        <a:srgbClr val="0054A8"/>
                       </a:solidFill>
                       <a:prstDash val="solid"/>
                       <a:round/>
@@ -9774,9 +11672,9 @@
                         </a:spcAft>
                       </a:pPr>
                       <a:r>
-                        <a:rPr lang="en-US" sz="1200" kern="0">
+                        <a:rPr lang="en-US" sz="1600" kern="0" dirty="0">
                           <a:solidFill>
-                            <a:srgbClr val="000000"/>
+                            <a:srgbClr val="0054A8"/>
                           </a:solidFill>
                           <a:latin typeface="Microsoft YaHei" charset="-122"/>
                           <a:ea typeface="Microsoft YaHei" charset="-122"/>
@@ -9784,7 +11682,10 @@
                         </a:rPr>
                         <a:t>Function</a:t>
                       </a:r>
-                      <a:endParaRPr lang="zh-CN" sz="1200" kern="100">
+                      <a:endParaRPr lang="zh-CN" sz="1600" kern="100" dirty="0">
+                        <a:solidFill>
+                          <a:srgbClr val="0054A8"/>
+                        </a:solidFill>
                         <a:latin typeface="Microsoft YaHei" charset="-122"/>
                         <a:ea typeface="Microsoft YaHei" charset="-122"/>
                         <a:cs typeface="Microsoft YaHei" charset="-122"/>
@@ -9794,7 +11695,7 @@
                   <a:tcPr marL="161298" marR="161298" marT="0" marB="0" anchor="ctr">
                     <a:lnL w="12700" cap="flat" cmpd="sng" algn="ctr">
                       <a:solidFill>
-                        <a:srgbClr val="000000"/>
+                        <a:srgbClr val="0054A8"/>
                       </a:solidFill>
                       <a:prstDash val="solid"/>
                       <a:round/>
@@ -9803,7 +11704,7 @@
                     </a:lnL>
                     <a:lnR w="12700" cap="flat" cmpd="sng" algn="ctr">
                       <a:solidFill>
-                        <a:srgbClr val="000000"/>
+                        <a:srgbClr val="0054A8"/>
                       </a:solidFill>
                       <a:prstDash val="solid"/>
                       <a:round/>
@@ -9812,7 +11713,7 @@
                     </a:lnR>
                     <a:lnT w="12700" cap="flat" cmpd="sng" algn="ctr">
                       <a:solidFill>
-                        <a:srgbClr val="000000"/>
+                        <a:srgbClr val="0054A8"/>
                       </a:solidFill>
                       <a:prstDash val="solid"/>
                       <a:round/>
@@ -9821,7 +11722,7 @@
                     </a:lnT>
                     <a:lnB w="12700" cap="flat" cmpd="sng" algn="ctr">
                       <a:solidFill>
-                        <a:srgbClr val="000000"/>
+                        <a:srgbClr val="0054A8"/>
                       </a:solidFill>
                       <a:prstDash val="solid"/>
                       <a:round/>
@@ -9841,17 +11742,20 @@
                         </a:spcAft>
                       </a:pPr>
                       <a:r>
-                        <a:rPr lang="en-US" sz="1200" kern="0">
+                        <a:rPr lang="en-US" sz="1600" kern="0" dirty="0" smtClean="0">
                           <a:solidFill>
-                            <a:srgbClr val="000000"/>
+                            <a:srgbClr val="0054A8"/>
                           </a:solidFill>
                           <a:latin typeface="Microsoft YaHei" charset="-122"/>
                           <a:ea typeface="Microsoft YaHei" charset="-122"/>
                           <a:cs typeface="Microsoft YaHei" charset="-122"/>
                         </a:rPr>
-                        <a:t>fnHandler</a:t>
+                        <a:t>handler</a:t>
                       </a:r>
-                      <a:endParaRPr lang="zh-CN" sz="1200" kern="100">
+                      <a:endParaRPr lang="zh-CN" sz="1600" kern="100" dirty="0">
+                        <a:solidFill>
+                          <a:srgbClr val="0054A8"/>
+                        </a:solidFill>
                         <a:latin typeface="Microsoft YaHei" charset="-122"/>
                         <a:ea typeface="Microsoft YaHei" charset="-122"/>
                         <a:cs typeface="Microsoft YaHei" charset="-122"/>
@@ -9861,7 +11765,7 @@
                   <a:tcPr marL="161298" marR="161298" marT="0" marB="0" anchor="ctr">
                     <a:lnL w="12700" cap="flat" cmpd="sng" algn="ctr">
                       <a:solidFill>
-                        <a:srgbClr val="000000"/>
+                        <a:srgbClr val="0054A8"/>
                       </a:solidFill>
                       <a:prstDash val="solid"/>
                       <a:round/>
@@ -9870,7 +11774,7 @@
                     </a:lnL>
                     <a:lnR w="12700" cap="flat" cmpd="sng" algn="ctr">
                       <a:solidFill>
-                        <a:srgbClr val="000000"/>
+                        <a:srgbClr val="0054A8"/>
                       </a:solidFill>
                       <a:prstDash val="solid"/>
                       <a:round/>
@@ -9879,7 +11783,7 @@
                     </a:lnR>
                     <a:lnT w="12700" cap="flat" cmpd="sng" algn="ctr">
                       <a:solidFill>
-                        <a:srgbClr val="000000"/>
+                        <a:srgbClr val="0054A8"/>
                       </a:solidFill>
                       <a:prstDash val="solid"/>
                       <a:round/>
@@ -9888,7 +11792,7 @@
                     </a:lnT>
                     <a:lnB w="12700" cap="flat" cmpd="sng" algn="ctr">
                       <a:solidFill>
-                        <a:srgbClr val="000000"/>
+                        <a:srgbClr val="0054A8"/>
                       </a:solidFill>
                       <a:prstDash val="solid"/>
                       <a:round/>
@@ -9898,7 +11802,7 @@
                   </a:tcPr>
                 </a:tc>
               </a:tr>
-              <a:tr h="302890">
+              <a:tr h="374441">
                 <a:tc>
                   <a:txBody>
                     <a:bodyPr/>
@@ -9910,9 +11814,9 @@
                         </a:spcAft>
                       </a:pPr>
                       <a:r>
-                        <a:rPr lang="zh-CN" sz="1200" kern="0">
+                        <a:rPr lang="zh-CN" sz="1600" kern="0">
                           <a:solidFill>
-                            <a:srgbClr val="000000"/>
+                            <a:srgbClr val="0054A8"/>
                           </a:solidFill>
                           <a:latin typeface="Microsoft YaHei" charset="-122"/>
                           <a:ea typeface="Microsoft YaHei" charset="-122"/>
@@ -9920,7 +11824,10 @@
                         </a:rPr>
                         <a:t>整数</a:t>
                       </a:r>
-                      <a:endParaRPr lang="zh-CN" sz="1200" kern="100">
+                      <a:endParaRPr lang="zh-CN" sz="1600" kern="100">
+                        <a:solidFill>
+                          <a:srgbClr val="0054A8"/>
+                        </a:solidFill>
                         <a:latin typeface="Microsoft YaHei" charset="-122"/>
                         <a:ea typeface="Microsoft YaHei" charset="-122"/>
                         <a:cs typeface="Microsoft YaHei" charset="-122"/>
@@ -9930,7 +11837,7 @@
                   <a:tcPr marL="161298" marR="161298" marT="0" marB="0" anchor="ctr">
                     <a:lnL w="12700" cap="flat" cmpd="sng" algn="ctr">
                       <a:solidFill>
-                        <a:srgbClr val="000000"/>
+                        <a:srgbClr val="0054A8"/>
                       </a:solidFill>
                       <a:prstDash val="solid"/>
                       <a:round/>
@@ -9939,7 +11846,7 @@
                     </a:lnL>
                     <a:lnR w="12700" cap="flat" cmpd="sng" algn="ctr">
                       <a:solidFill>
-                        <a:srgbClr val="000000"/>
+                        <a:srgbClr val="0054A8"/>
                       </a:solidFill>
                       <a:prstDash val="solid"/>
                       <a:round/>
@@ -9948,7 +11855,7 @@
                     </a:lnR>
                     <a:lnT w="12700" cap="flat" cmpd="sng" algn="ctr">
                       <a:solidFill>
-                        <a:srgbClr val="000000"/>
+                        <a:srgbClr val="0054A8"/>
                       </a:solidFill>
                       <a:prstDash val="solid"/>
                       <a:round/>
@@ -9957,7 +11864,7 @@
                     </a:lnT>
                     <a:lnB w="12700" cap="flat" cmpd="sng" algn="ctr">
                       <a:solidFill>
-                        <a:srgbClr val="000000"/>
+                        <a:srgbClr val="0054A8"/>
                       </a:solidFill>
                       <a:prstDash val="solid"/>
                       <a:round/>
@@ -9977,9 +11884,9 @@
                         </a:spcAft>
                       </a:pPr>
                       <a:r>
-                        <a:rPr lang="en-US" sz="1200" kern="0">
+                        <a:rPr lang="en-US" sz="1600" kern="0" dirty="0" err="1">
                           <a:solidFill>
-                            <a:srgbClr val="000000"/>
+                            <a:srgbClr val="0054A8"/>
                           </a:solidFill>
                           <a:latin typeface="Microsoft YaHei" charset="-122"/>
                           <a:ea typeface="Microsoft YaHei" charset="-122"/>
@@ -9987,7 +11894,10 @@
                         </a:rPr>
                         <a:t>i</a:t>
                       </a:r>
-                      <a:endParaRPr lang="zh-CN" sz="1200" kern="100">
+                      <a:endParaRPr lang="zh-CN" sz="1600" kern="100" dirty="0">
+                        <a:solidFill>
+                          <a:srgbClr val="0054A8"/>
+                        </a:solidFill>
                         <a:latin typeface="Microsoft YaHei" charset="-122"/>
                         <a:ea typeface="Microsoft YaHei" charset="-122"/>
                         <a:cs typeface="Microsoft YaHei" charset="-122"/>
@@ -9997,7 +11907,7 @@
                   <a:tcPr marL="161298" marR="161298" marT="0" marB="0" anchor="ctr">
                     <a:lnL w="12700" cap="flat" cmpd="sng" algn="ctr">
                       <a:solidFill>
-                        <a:srgbClr val="000000"/>
+                        <a:srgbClr val="0054A8"/>
                       </a:solidFill>
                       <a:prstDash val="solid"/>
                       <a:round/>
@@ -10006,7 +11916,7 @@
                     </a:lnL>
                     <a:lnR w="12700" cap="flat" cmpd="sng" algn="ctr">
                       <a:solidFill>
-                        <a:srgbClr val="000000"/>
+                        <a:srgbClr val="0054A8"/>
                       </a:solidFill>
                       <a:prstDash val="solid"/>
                       <a:round/>
@@ -10015,7 +11925,7 @@
                     </a:lnR>
                     <a:lnT w="12700" cap="flat" cmpd="sng" algn="ctr">
                       <a:solidFill>
-                        <a:srgbClr val="000000"/>
+                        <a:srgbClr val="0054A8"/>
                       </a:solidFill>
                       <a:prstDash val="solid"/>
                       <a:round/>
@@ -10024,7 +11934,7 @@
                     </a:lnT>
                     <a:lnB w="12700" cap="flat" cmpd="sng" algn="ctr">
                       <a:solidFill>
-                        <a:srgbClr val="000000"/>
+                        <a:srgbClr val="0054A8"/>
                       </a:solidFill>
                       <a:prstDash val="solid"/>
                       <a:round/>
@@ -10044,9 +11954,9 @@
                         </a:spcAft>
                       </a:pPr>
                       <a:r>
-                        <a:rPr lang="en-US" sz="1200" kern="0">
+                        <a:rPr lang="en-US" sz="1600" kern="0" dirty="0">
                           <a:solidFill>
-                            <a:srgbClr val="000000"/>
+                            <a:srgbClr val="0054A8"/>
                           </a:solidFill>
                           <a:latin typeface="Microsoft YaHei" charset="-122"/>
                           <a:ea typeface="Microsoft YaHei" charset="-122"/>
@@ -10054,7 +11964,10 @@
                         </a:rPr>
                         <a:t>Integer</a:t>
                       </a:r>
-                      <a:endParaRPr lang="zh-CN" sz="1200" kern="100">
+                      <a:endParaRPr lang="zh-CN" sz="1600" kern="100" dirty="0">
+                        <a:solidFill>
+                          <a:srgbClr val="0054A8"/>
+                        </a:solidFill>
                         <a:latin typeface="Microsoft YaHei" charset="-122"/>
                         <a:ea typeface="Microsoft YaHei" charset="-122"/>
                         <a:cs typeface="Microsoft YaHei" charset="-122"/>
@@ -10064,7 +11977,7 @@
                   <a:tcPr marL="161298" marR="161298" marT="0" marB="0" anchor="ctr">
                     <a:lnL w="12700" cap="flat" cmpd="sng" algn="ctr">
                       <a:solidFill>
-                        <a:srgbClr val="000000"/>
+                        <a:srgbClr val="0054A8"/>
                       </a:solidFill>
                       <a:prstDash val="solid"/>
                       <a:round/>
@@ -10073,7 +11986,7 @@
                     </a:lnL>
                     <a:lnR w="12700" cap="flat" cmpd="sng" algn="ctr">
                       <a:solidFill>
-                        <a:srgbClr val="000000"/>
+                        <a:srgbClr val="0054A8"/>
                       </a:solidFill>
                       <a:prstDash val="solid"/>
                       <a:round/>
@@ -10082,7 +11995,7 @@
                     </a:lnR>
                     <a:lnT w="12700" cap="flat" cmpd="sng" algn="ctr">
                       <a:solidFill>
-                        <a:srgbClr val="000000"/>
+                        <a:srgbClr val="0054A8"/>
                       </a:solidFill>
                       <a:prstDash val="solid"/>
                       <a:round/>
@@ -10091,7 +12004,7 @@
                     </a:lnT>
                     <a:lnB w="12700" cap="flat" cmpd="sng" algn="ctr">
                       <a:solidFill>
-                        <a:srgbClr val="000000"/>
+                        <a:srgbClr val="0054A8"/>
                       </a:solidFill>
                       <a:prstDash val="solid"/>
                       <a:round/>
@@ -10111,9 +12024,9 @@
                         </a:spcAft>
                       </a:pPr>
                       <a:r>
-                        <a:rPr lang="en-US" sz="1200" kern="0">
+                        <a:rPr lang="en-US" sz="1600" kern="0" dirty="0" err="1">
                           <a:solidFill>
-                            <a:srgbClr val="000000"/>
+                            <a:srgbClr val="0054A8"/>
                           </a:solidFill>
                           <a:latin typeface="Microsoft YaHei" charset="-122"/>
                           <a:ea typeface="Microsoft YaHei" charset="-122"/>
@@ -10121,7 +12034,10 @@
                         </a:rPr>
                         <a:t>iItemCount</a:t>
                       </a:r>
-                      <a:endParaRPr lang="zh-CN" sz="1200" kern="100">
+                      <a:endParaRPr lang="zh-CN" sz="1600" kern="100" dirty="0">
+                        <a:solidFill>
+                          <a:srgbClr val="0054A8"/>
+                        </a:solidFill>
                         <a:latin typeface="Microsoft YaHei" charset="-122"/>
                         <a:ea typeface="Microsoft YaHei" charset="-122"/>
                         <a:cs typeface="Microsoft YaHei" charset="-122"/>
@@ -10131,7 +12047,7 @@
                   <a:tcPr marL="161298" marR="161298" marT="0" marB="0" anchor="ctr">
                     <a:lnL w="12700" cap="flat" cmpd="sng" algn="ctr">
                       <a:solidFill>
-                        <a:srgbClr val="000000"/>
+                        <a:srgbClr val="0054A8"/>
                       </a:solidFill>
                       <a:prstDash val="solid"/>
                       <a:round/>
@@ -10140,7 +12056,7 @@
                     </a:lnL>
                     <a:lnR w="12700" cap="flat" cmpd="sng" algn="ctr">
                       <a:solidFill>
-                        <a:srgbClr val="000000"/>
+                        <a:srgbClr val="0054A8"/>
                       </a:solidFill>
                       <a:prstDash val="solid"/>
                       <a:round/>
@@ -10149,7 +12065,7 @@
                     </a:lnR>
                     <a:lnT w="12700" cap="flat" cmpd="sng" algn="ctr">
                       <a:solidFill>
-                        <a:srgbClr val="000000"/>
+                        <a:srgbClr val="0054A8"/>
                       </a:solidFill>
                       <a:prstDash val="solid"/>
                       <a:round/>
@@ -10158,7 +12074,7 @@
                     </a:lnT>
                     <a:lnB w="12700" cap="flat" cmpd="sng" algn="ctr">
                       <a:solidFill>
-                        <a:srgbClr val="000000"/>
+                        <a:srgbClr val="0054A8"/>
                       </a:solidFill>
                       <a:prstDash val="solid"/>
                       <a:round/>
@@ -10168,7 +12084,7 @@
                   </a:tcPr>
                 </a:tc>
               </a:tr>
-              <a:tr h="302890">
+              <a:tr h="374441">
                 <a:tc>
                   <a:txBody>
                     <a:bodyPr/>
@@ -10180,9 +12096,9 @@
                         </a:spcAft>
                       </a:pPr>
                       <a:r>
-                        <a:rPr lang="zh-CN" sz="1200" kern="0">
+                        <a:rPr lang="zh-CN" sz="1600" kern="0">
                           <a:solidFill>
-                            <a:srgbClr val="000000"/>
+                            <a:srgbClr val="0054A8"/>
                           </a:solidFill>
                           <a:latin typeface="Microsoft YaHei" charset="-122"/>
                           <a:ea typeface="Microsoft YaHei" charset="-122"/>
@@ -10190,7 +12106,10 @@
                         </a:rPr>
                         <a:t>对象</a:t>
                       </a:r>
-                      <a:endParaRPr lang="zh-CN" sz="1200" kern="100">
+                      <a:endParaRPr lang="zh-CN" sz="1600" kern="100">
+                        <a:solidFill>
+                          <a:srgbClr val="0054A8"/>
+                        </a:solidFill>
                         <a:latin typeface="Microsoft YaHei" charset="-122"/>
                         <a:ea typeface="Microsoft YaHei" charset="-122"/>
                         <a:cs typeface="Microsoft YaHei" charset="-122"/>
@@ -10200,7 +12119,7 @@
                   <a:tcPr marL="161298" marR="161298" marT="0" marB="0" anchor="ctr">
                     <a:lnL w="12700" cap="flat" cmpd="sng" algn="ctr">
                       <a:solidFill>
-                        <a:srgbClr val="000000"/>
+                        <a:srgbClr val="0054A8"/>
                       </a:solidFill>
                       <a:prstDash val="solid"/>
                       <a:round/>
@@ -10209,7 +12128,7 @@
                     </a:lnL>
                     <a:lnR w="12700" cap="flat" cmpd="sng" algn="ctr">
                       <a:solidFill>
-                        <a:srgbClr val="000000"/>
+                        <a:srgbClr val="0054A8"/>
                       </a:solidFill>
                       <a:prstDash val="solid"/>
                       <a:round/>
@@ -10218,7 +12137,7 @@
                     </a:lnR>
                     <a:lnT w="12700" cap="flat" cmpd="sng" algn="ctr">
                       <a:solidFill>
-                        <a:srgbClr val="000000"/>
+                        <a:srgbClr val="0054A8"/>
                       </a:solidFill>
                       <a:prstDash val="solid"/>
                       <a:round/>
@@ -10227,7 +12146,7 @@
                     </a:lnT>
                     <a:lnB w="12700" cap="flat" cmpd="sng" algn="ctr">
                       <a:solidFill>
-                        <a:srgbClr val="000000"/>
+                        <a:srgbClr val="0054A8"/>
                       </a:solidFill>
                       <a:prstDash val="solid"/>
                       <a:round/>
@@ -10247,9 +12166,9 @@
                         </a:spcAft>
                       </a:pPr>
                       <a:r>
-                        <a:rPr lang="en-US" sz="1200" kern="0">
+                        <a:rPr lang="en-US" sz="1600" kern="0" dirty="0">
                           <a:solidFill>
-                            <a:srgbClr val="000000"/>
+                            <a:srgbClr val="0054A8"/>
                           </a:solidFill>
                           <a:latin typeface="Microsoft YaHei" charset="-122"/>
                           <a:ea typeface="Microsoft YaHei" charset="-122"/>
@@ -10257,7 +12176,10 @@
                         </a:rPr>
                         <a:t>o</a:t>
                       </a:r>
-                      <a:endParaRPr lang="zh-CN" sz="1200" kern="100">
+                      <a:endParaRPr lang="zh-CN" sz="1600" kern="100" dirty="0">
+                        <a:solidFill>
+                          <a:srgbClr val="0054A8"/>
+                        </a:solidFill>
                         <a:latin typeface="Microsoft YaHei" charset="-122"/>
                         <a:ea typeface="Microsoft YaHei" charset="-122"/>
                         <a:cs typeface="Microsoft YaHei" charset="-122"/>
@@ -10267,7 +12189,7 @@
                   <a:tcPr marL="161298" marR="161298" marT="0" marB="0" anchor="ctr">
                     <a:lnL w="12700" cap="flat" cmpd="sng" algn="ctr">
                       <a:solidFill>
-                        <a:srgbClr val="000000"/>
+                        <a:srgbClr val="0054A8"/>
                       </a:solidFill>
                       <a:prstDash val="solid"/>
                       <a:round/>
@@ -10276,7 +12198,7 @@
                     </a:lnL>
                     <a:lnR w="12700" cap="flat" cmpd="sng" algn="ctr">
                       <a:solidFill>
-                        <a:srgbClr val="000000"/>
+                        <a:srgbClr val="0054A8"/>
                       </a:solidFill>
                       <a:prstDash val="solid"/>
                       <a:round/>
@@ -10285,7 +12207,7 @@
                     </a:lnR>
                     <a:lnT w="12700" cap="flat" cmpd="sng" algn="ctr">
                       <a:solidFill>
-                        <a:srgbClr val="000000"/>
+                        <a:srgbClr val="0054A8"/>
                       </a:solidFill>
                       <a:prstDash val="solid"/>
                       <a:round/>
@@ -10294,7 +12216,7 @@
                     </a:lnT>
                     <a:lnB w="12700" cap="flat" cmpd="sng" algn="ctr">
                       <a:solidFill>
-                        <a:srgbClr val="000000"/>
+                        <a:srgbClr val="0054A8"/>
                       </a:solidFill>
                       <a:prstDash val="solid"/>
                       <a:round/>
@@ -10314,9 +12236,9 @@
                         </a:spcAft>
                       </a:pPr>
                       <a:r>
-                        <a:rPr lang="en-US" sz="1200" kern="0">
+                        <a:rPr lang="en-US" sz="1600" kern="0">
                           <a:solidFill>
-                            <a:srgbClr val="000000"/>
+                            <a:srgbClr val="0054A8"/>
                           </a:solidFill>
                           <a:latin typeface="Microsoft YaHei" charset="-122"/>
                           <a:ea typeface="Microsoft YaHei" charset="-122"/>
@@ -10324,7 +12246,10 @@
                         </a:rPr>
                         <a:t>Object</a:t>
                       </a:r>
-                      <a:endParaRPr lang="zh-CN" sz="1200" kern="100">
+                      <a:endParaRPr lang="zh-CN" sz="1600" kern="100">
+                        <a:solidFill>
+                          <a:srgbClr val="0054A8"/>
+                        </a:solidFill>
                         <a:latin typeface="Microsoft YaHei" charset="-122"/>
                         <a:ea typeface="Microsoft YaHei" charset="-122"/>
                         <a:cs typeface="Microsoft YaHei" charset="-122"/>
@@ -10334,7 +12259,7 @@
                   <a:tcPr marL="161298" marR="161298" marT="0" marB="0" anchor="ctr">
                     <a:lnL w="12700" cap="flat" cmpd="sng" algn="ctr">
                       <a:solidFill>
-                        <a:srgbClr val="000000"/>
+                        <a:srgbClr val="0054A8"/>
                       </a:solidFill>
                       <a:prstDash val="solid"/>
                       <a:round/>
@@ -10343,7 +12268,7 @@
                     </a:lnL>
                     <a:lnR w="12700" cap="flat" cmpd="sng" algn="ctr">
                       <a:solidFill>
-                        <a:srgbClr val="000000"/>
+                        <a:srgbClr val="0054A8"/>
                       </a:solidFill>
                       <a:prstDash val="solid"/>
                       <a:round/>
@@ -10352,7 +12277,7 @@
                     </a:lnR>
                     <a:lnT w="12700" cap="flat" cmpd="sng" algn="ctr">
                       <a:solidFill>
-                        <a:srgbClr val="000000"/>
+                        <a:srgbClr val="0054A8"/>
                       </a:solidFill>
                       <a:prstDash val="solid"/>
                       <a:round/>
@@ -10361,7 +12286,7 @@
                     </a:lnT>
                     <a:lnB w="12700" cap="flat" cmpd="sng" algn="ctr">
                       <a:solidFill>
-                        <a:srgbClr val="000000"/>
+                        <a:srgbClr val="0054A8"/>
                       </a:solidFill>
                       <a:prstDash val="solid"/>
                       <a:round/>
@@ -10381,9 +12306,9 @@
                         </a:spcAft>
                       </a:pPr>
                       <a:r>
-                        <a:rPr lang="en-US" sz="1200" kern="0">
+                        <a:rPr lang="en-US" sz="1600" kern="0">
                           <a:solidFill>
-                            <a:srgbClr val="000000"/>
+                            <a:srgbClr val="0054A8"/>
                           </a:solidFill>
                           <a:latin typeface="Microsoft YaHei" charset="-122"/>
                           <a:ea typeface="Microsoft YaHei" charset="-122"/>
@@ -10391,7 +12316,10 @@
                         </a:rPr>
                         <a:t>oDiv1</a:t>
                       </a:r>
-                      <a:endParaRPr lang="zh-CN" sz="1200" kern="100">
+                      <a:endParaRPr lang="zh-CN" sz="1600" kern="100">
+                        <a:solidFill>
+                          <a:srgbClr val="0054A8"/>
+                        </a:solidFill>
                         <a:latin typeface="Microsoft YaHei" charset="-122"/>
                         <a:ea typeface="Microsoft YaHei" charset="-122"/>
                         <a:cs typeface="Microsoft YaHei" charset="-122"/>
@@ -10401,7 +12329,7 @@
                   <a:tcPr marL="161298" marR="161298" marT="0" marB="0" anchor="ctr">
                     <a:lnL w="12700" cap="flat" cmpd="sng" algn="ctr">
                       <a:solidFill>
-                        <a:srgbClr val="000000"/>
+                        <a:srgbClr val="0054A8"/>
                       </a:solidFill>
                       <a:prstDash val="solid"/>
                       <a:round/>
@@ -10410,7 +12338,7 @@
                     </a:lnL>
                     <a:lnR w="12700" cap="flat" cmpd="sng" algn="ctr">
                       <a:solidFill>
-                        <a:srgbClr val="000000"/>
+                        <a:srgbClr val="0054A8"/>
                       </a:solidFill>
                       <a:prstDash val="solid"/>
                       <a:round/>
@@ -10419,7 +12347,7 @@
                     </a:lnR>
                     <a:lnT w="12700" cap="flat" cmpd="sng" algn="ctr">
                       <a:solidFill>
-                        <a:srgbClr val="000000"/>
+                        <a:srgbClr val="0054A8"/>
                       </a:solidFill>
                       <a:prstDash val="solid"/>
                       <a:round/>
@@ -10428,7 +12356,7 @@
                     </a:lnT>
                     <a:lnB w="12700" cap="flat" cmpd="sng" algn="ctr">
                       <a:solidFill>
-                        <a:srgbClr val="000000"/>
+                        <a:srgbClr val="0054A8"/>
                       </a:solidFill>
                       <a:prstDash val="solid"/>
                       <a:round/>
@@ -10438,7 +12366,7 @@
                   </a:tcPr>
                 </a:tc>
               </a:tr>
-              <a:tr h="302890">
+              <a:tr h="374441">
                 <a:tc>
                   <a:txBody>
                     <a:bodyPr/>
@@ -10450,9 +12378,9 @@
                         </a:spcAft>
                       </a:pPr>
                       <a:r>
-                        <a:rPr lang="zh-CN" sz="1200" kern="0">
+                        <a:rPr lang="zh-CN" sz="1600" kern="0">
                           <a:solidFill>
-                            <a:srgbClr val="000000"/>
+                            <a:srgbClr val="0054A8"/>
                           </a:solidFill>
                           <a:latin typeface="Microsoft YaHei" charset="-122"/>
                           <a:ea typeface="Microsoft YaHei" charset="-122"/>
@@ -10460,7 +12388,10 @@
                         </a:rPr>
                         <a:t>正则表达式</a:t>
                       </a:r>
-                      <a:endParaRPr lang="zh-CN" sz="1200" kern="100">
+                      <a:endParaRPr lang="zh-CN" sz="1600" kern="100">
+                        <a:solidFill>
+                          <a:srgbClr val="0054A8"/>
+                        </a:solidFill>
                         <a:latin typeface="Microsoft YaHei" charset="-122"/>
                         <a:ea typeface="Microsoft YaHei" charset="-122"/>
                         <a:cs typeface="Microsoft YaHei" charset="-122"/>
@@ -10470,7 +12401,7 @@
                   <a:tcPr marL="161298" marR="161298" marT="0" marB="0" anchor="ctr">
                     <a:lnL w="12700" cap="flat" cmpd="sng" algn="ctr">
                       <a:solidFill>
-                        <a:srgbClr val="000000"/>
+                        <a:srgbClr val="0054A8"/>
                       </a:solidFill>
                       <a:prstDash val="solid"/>
                       <a:round/>
@@ -10479,7 +12410,7 @@
                     </a:lnL>
                     <a:lnR w="12700" cap="flat" cmpd="sng" algn="ctr">
                       <a:solidFill>
-                        <a:srgbClr val="000000"/>
+                        <a:srgbClr val="0054A8"/>
                       </a:solidFill>
                       <a:prstDash val="solid"/>
                       <a:round/>
@@ -10488,7 +12419,7 @@
                     </a:lnR>
                     <a:lnT w="12700" cap="flat" cmpd="sng" algn="ctr">
                       <a:solidFill>
-                        <a:srgbClr val="000000"/>
+                        <a:srgbClr val="0054A8"/>
                       </a:solidFill>
                       <a:prstDash val="solid"/>
                       <a:round/>
@@ -10497,7 +12428,7 @@
                     </a:lnT>
                     <a:lnB w="12700" cap="flat" cmpd="sng" algn="ctr">
                       <a:solidFill>
-                        <a:srgbClr val="000000"/>
+                        <a:srgbClr val="0054A8"/>
                       </a:solidFill>
                       <a:prstDash val="solid"/>
                       <a:round/>
@@ -10517,9 +12448,9 @@
                         </a:spcAft>
                       </a:pPr>
                       <a:r>
-                        <a:rPr lang="en-US" sz="1200" kern="0" dirty="0">
+                        <a:rPr lang="en-US" sz="1600" kern="0" dirty="0">
                           <a:solidFill>
-                            <a:srgbClr val="000000"/>
+                            <a:srgbClr val="0054A8"/>
                           </a:solidFill>
                           <a:latin typeface="Microsoft YaHei" charset="-122"/>
                           <a:ea typeface="Microsoft YaHei" charset="-122"/>
@@ -10527,7 +12458,10 @@
                         </a:rPr>
                         <a:t>re</a:t>
                       </a:r>
-                      <a:endParaRPr lang="zh-CN" sz="1200" kern="100" dirty="0">
+                      <a:endParaRPr lang="zh-CN" sz="1600" kern="100" dirty="0">
+                        <a:solidFill>
+                          <a:srgbClr val="0054A8"/>
+                        </a:solidFill>
                         <a:latin typeface="Microsoft YaHei" charset="-122"/>
                         <a:ea typeface="Microsoft YaHei" charset="-122"/>
                         <a:cs typeface="Microsoft YaHei" charset="-122"/>
@@ -10537,7 +12471,7 @@
                   <a:tcPr marL="161298" marR="161298" marT="0" marB="0" anchor="ctr">
                     <a:lnL w="12700" cap="flat" cmpd="sng" algn="ctr">
                       <a:solidFill>
-                        <a:srgbClr val="000000"/>
+                        <a:srgbClr val="0054A8"/>
                       </a:solidFill>
                       <a:prstDash val="solid"/>
                       <a:round/>
@@ -10546,7 +12480,7 @@
                     </a:lnL>
                     <a:lnR w="12700" cap="flat" cmpd="sng" algn="ctr">
                       <a:solidFill>
-                        <a:srgbClr val="000000"/>
+                        <a:srgbClr val="0054A8"/>
                       </a:solidFill>
                       <a:prstDash val="solid"/>
                       <a:round/>
@@ -10555,7 +12489,7 @@
                     </a:lnR>
                     <a:lnT w="12700" cap="flat" cmpd="sng" algn="ctr">
                       <a:solidFill>
-                        <a:srgbClr val="000000"/>
+                        <a:srgbClr val="0054A8"/>
                       </a:solidFill>
                       <a:prstDash val="solid"/>
                       <a:round/>
@@ -10564,7 +12498,7 @@
                     </a:lnT>
                     <a:lnB w="12700" cap="flat" cmpd="sng" algn="ctr">
                       <a:solidFill>
-                        <a:srgbClr val="000000"/>
+                        <a:srgbClr val="0054A8"/>
                       </a:solidFill>
                       <a:prstDash val="solid"/>
                       <a:round/>
@@ -10584,9 +12518,9 @@
                         </a:spcAft>
                       </a:pPr>
                       <a:r>
-                        <a:rPr lang="en-US" sz="1200" kern="0">
+                        <a:rPr lang="en-US" sz="1600" kern="0">
                           <a:solidFill>
-                            <a:srgbClr val="000000"/>
+                            <a:srgbClr val="0054A8"/>
                           </a:solidFill>
                           <a:latin typeface="Microsoft YaHei" charset="-122"/>
                           <a:ea typeface="Microsoft YaHei" charset="-122"/>
@@ -10594,7 +12528,10 @@
                         </a:rPr>
                         <a:t>RegExp</a:t>
                       </a:r>
-                      <a:endParaRPr lang="zh-CN" sz="1200" kern="100">
+                      <a:endParaRPr lang="zh-CN" sz="1600" kern="100">
+                        <a:solidFill>
+                          <a:srgbClr val="0054A8"/>
+                        </a:solidFill>
                         <a:latin typeface="Microsoft YaHei" charset="-122"/>
                         <a:ea typeface="Microsoft YaHei" charset="-122"/>
                         <a:cs typeface="Microsoft YaHei" charset="-122"/>
@@ -10604,7 +12541,7 @@
                   <a:tcPr marL="161298" marR="161298" marT="0" marB="0" anchor="ctr">
                     <a:lnL w="12700" cap="flat" cmpd="sng" algn="ctr">
                       <a:solidFill>
-                        <a:srgbClr val="000000"/>
+                        <a:srgbClr val="0054A8"/>
                       </a:solidFill>
                       <a:prstDash val="solid"/>
                       <a:round/>
@@ -10613,7 +12550,7 @@
                     </a:lnL>
                     <a:lnR w="12700" cap="flat" cmpd="sng" algn="ctr">
                       <a:solidFill>
-                        <a:srgbClr val="000000"/>
+                        <a:srgbClr val="0054A8"/>
                       </a:solidFill>
                       <a:prstDash val="solid"/>
                       <a:round/>
@@ -10622,7 +12559,7 @@
                     </a:lnR>
                     <a:lnT w="12700" cap="flat" cmpd="sng" algn="ctr">
                       <a:solidFill>
-                        <a:srgbClr val="000000"/>
+                        <a:srgbClr val="0054A8"/>
                       </a:solidFill>
                       <a:prstDash val="solid"/>
                       <a:round/>
@@ -10631,7 +12568,7 @@
                     </a:lnT>
                     <a:lnB w="12700" cap="flat" cmpd="sng" algn="ctr">
                       <a:solidFill>
-                        <a:srgbClr val="000000"/>
+                        <a:srgbClr val="0054A8"/>
                       </a:solidFill>
                       <a:prstDash val="solid"/>
                       <a:round/>
@@ -10651,9 +12588,9 @@
                         </a:spcAft>
                       </a:pPr>
                       <a:r>
-                        <a:rPr lang="en-US" sz="1200" kern="0">
+                        <a:rPr lang="en-US" sz="1600" kern="0">
                           <a:solidFill>
-                            <a:srgbClr val="000000"/>
+                            <a:srgbClr val="0054A8"/>
                           </a:solidFill>
                           <a:latin typeface="Microsoft YaHei" charset="-122"/>
                           <a:ea typeface="Microsoft YaHei" charset="-122"/>
@@ -10661,7 +12598,10 @@
                         </a:rPr>
                         <a:t>reEmailCheck</a:t>
                       </a:r>
-                      <a:endParaRPr lang="zh-CN" sz="1200" kern="100">
+                      <a:endParaRPr lang="zh-CN" sz="1600" kern="100">
+                        <a:solidFill>
+                          <a:srgbClr val="0054A8"/>
+                        </a:solidFill>
                         <a:latin typeface="Microsoft YaHei" charset="-122"/>
                         <a:ea typeface="Microsoft YaHei" charset="-122"/>
                         <a:cs typeface="Microsoft YaHei" charset="-122"/>
@@ -10671,7 +12611,7 @@
                   <a:tcPr marL="161298" marR="161298" marT="0" marB="0" anchor="ctr">
                     <a:lnL w="12700" cap="flat" cmpd="sng" algn="ctr">
                       <a:solidFill>
-                        <a:srgbClr val="000000"/>
+                        <a:srgbClr val="0054A8"/>
                       </a:solidFill>
                       <a:prstDash val="solid"/>
                       <a:round/>
@@ -10680,7 +12620,7 @@
                     </a:lnL>
                     <a:lnR w="12700" cap="flat" cmpd="sng" algn="ctr">
                       <a:solidFill>
-                        <a:srgbClr val="000000"/>
+                        <a:srgbClr val="0054A8"/>
                       </a:solidFill>
                       <a:prstDash val="solid"/>
                       <a:round/>
@@ -10689,7 +12629,7 @@
                     </a:lnR>
                     <a:lnT w="12700" cap="flat" cmpd="sng" algn="ctr">
                       <a:solidFill>
-                        <a:srgbClr val="000000"/>
+                        <a:srgbClr val="0054A8"/>
                       </a:solidFill>
                       <a:prstDash val="solid"/>
                       <a:round/>
@@ -10698,7 +12638,7 @@
                     </a:lnT>
                     <a:lnB w="12700" cap="flat" cmpd="sng" algn="ctr">
                       <a:solidFill>
-                        <a:srgbClr val="000000"/>
+                        <a:srgbClr val="0054A8"/>
                       </a:solidFill>
                       <a:prstDash val="solid"/>
                       <a:round/>
@@ -10708,7 +12648,7 @@
                   </a:tcPr>
                 </a:tc>
               </a:tr>
-              <a:tr h="302890">
+              <a:tr h="374441">
                 <a:tc>
                   <a:txBody>
                     <a:bodyPr/>
@@ -10720,9 +12660,9 @@
                         </a:spcAft>
                       </a:pPr>
                       <a:r>
-                        <a:rPr lang="zh-CN" sz="1200" kern="0">
+                        <a:rPr lang="zh-CN" sz="1600" kern="0">
                           <a:solidFill>
-                            <a:srgbClr val="000000"/>
+                            <a:srgbClr val="0054A8"/>
                           </a:solidFill>
                           <a:latin typeface="Microsoft YaHei" charset="-122"/>
                           <a:ea typeface="Microsoft YaHei" charset="-122"/>
@@ -10730,7 +12670,10 @@
                         </a:rPr>
                         <a:t>字符串</a:t>
                       </a:r>
-                      <a:endParaRPr lang="zh-CN" sz="1200" kern="100">
+                      <a:endParaRPr lang="zh-CN" sz="1600" kern="100">
+                        <a:solidFill>
+                          <a:srgbClr val="0054A8"/>
+                        </a:solidFill>
                         <a:latin typeface="Microsoft YaHei" charset="-122"/>
                         <a:ea typeface="Microsoft YaHei" charset="-122"/>
                         <a:cs typeface="Microsoft YaHei" charset="-122"/>
@@ -10740,7 +12683,7 @@
                   <a:tcPr marL="161298" marR="161298" marT="0" marB="0" anchor="ctr">
                     <a:lnL w="12700" cap="flat" cmpd="sng" algn="ctr">
                       <a:solidFill>
-                        <a:srgbClr val="000000"/>
+                        <a:srgbClr val="0054A8"/>
                       </a:solidFill>
                       <a:prstDash val="solid"/>
                       <a:round/>
@@ -10749,7 +12692,7 @@
                     </a:lnL>
                     <a:lnR w="12700" cap="flat" cmpd="sng" algn="ctr">
                       <a:solidFill>
-                        <a:srgbClr val="000000"/>
+                        <a:srgbClr val="0054A8"/>
                       </a:solidFill>
                       <a:prstDash val="solid"/>
                       <a:round/>
@@ -10758,7 +12701,7 @@
                     </a:lnR>
                     <a:lnT w="12700" cap="flat" cmpd="sng" algn="ctr">
                       <a:solidFill>
-                        <a:srgbClr val="000000"/>
+                        <a:srgbClr val="0054A8"/>
                       </a:solidFill>
                       <a:prstDash val="solid"/>
                       <a:round/>
@@ -10767,7 +12710,7 @@
                     </a:lnT>
                     <a:lnB w="12700" cap="flat" cmpd="sng" algn="ctr">
                       <a:solidFill>
-                        <a:srgbClr val="000000"/>
+                        <a:srgbClr val="0054A8"/>
                       </a:solidFill>
                       <a:prstDash val="solid"/>
                       <a:round/>
@@ -10787,9 +12730,9 @@
                         </a:spcAft>
                       </a:pPr>
                       <a:r>
-                        <a:rPr lang="en-US" sz="1200" kern="0">
+                        <a:rPr lang="en-US" sz="1600" kern="0" dirty="0">
                           <a:solidFill>
-                            <a:srgbClr val="000000"/>
+                            <a:srgbClr val="0054A8"/>
                           </a:solidFill>
                           <a:latin typeface="Microsoft YaHei" charset="-122"/>
                           <a:ea typeface="Microsoft YaHei" charset="-122"/>
@@ -10797,7 +12740,10 @@
                         </a:rPr>
                         <a:t>s</a:t>
                       </a:r>
-                      <a:endParaRPr lang="zh-CN" sz="1200" kern="100">
+                      <a:endParaRPr lang="zh-CN" sz="1600" kern="100" dirty="0">
+                        <a:solidFill>
+                          <a:srgbClr val="0054A8"/>
+                        </a:solidFill>
                         <a:latin typeface="Microsoft YaHei" charset="-122"/>
                         <a:ea typeface="Microsoft YaHei" charset="-122"/>
                         <a:cs typeface="Microsoft YaHei" charset="-122"/>
@@ -10807,7 +12753,7 @@
                   <a:tcPr marL="161298" marR="161298" marT="0" marB="0" anchor="ctr">
                     <a:lnL w="12700" cap="flat" cmpd="sng" algn="ctr">
                       <a:solidFill>
-                        <a:srgbClr val="000000"/>
+                        <a:srgbClr val="0054A8"/>
                       </a:solidFill>
                       <a:prstDash val="solid"/>
                       <a:round/>
@@ -10816,7 +12762,7 @@
                     </a:lnL>
                     <a:lnR w="12700" cap="flat" cmpd="sng" algn="ctr">
                       <a:solidFill>
-                        <a:srgbClr val="000000"/>
+                        <a:srgbClr val="0054A8"/>
                       </a:solidFill>
                       <a:prstDash val="solid"/>
                       <a:round/>
@@ -10825,7 +12771,7 @@
                     </a:lnR>
                     <a:lnT w="12700" cap="flat" cmpd="sng" algn="ctr">
                       <a:solidFill>
-                        <a:srgbClr val="000000"/>
+                        <a:srgbClr val="0054A8"/>
                       </a:solidFill>
                       <a:prstDash val="solid"/>
                       <a:round/>
@@ -10834,7 +12780,7 @@
                     </a:lnT>
                     <a:lnB w="12700" cap="flat" cmpd="sng" algn="ctr">
                       <a:solidFill>
-                        <a:srgbClr val="000000"/>
+                        <a:srgbClr val="0054A8"/>
                       </a:solidFill>
                       <a:prstDash val="solid"/>
                       <a:round/>
@@ -10854,9 +12800,9 @@
                         </a:spcAft>
                       </a:pPr>
                       <a:r>
-                        <a:rPr lang="en-US" sz="1200" kern="0">
+                        <a:rPr lang="en-US" sz="1600" kern="0" dirty="0">
                           <a:solidFill>
-                            <a:srgbClr val="000000"/>
+                            <a:srgbClr val="0054A8"/>
                           </a:solidFill>
                           <a:latin typeface="Microsoft YaHei" charset="-122"/>
                           <a:ea typeface="Microsoft YaHei" charset="-122"/>
@@ -10864,7 +12810,10 @@
                         </a:rPr>
                         <a:t>String</a:t>
                       </a:r>
-                      <a:endParaRPr lang="zh-CN" sz="1200" kern="100">
+                      <a:endParaRPr lang="zh-CN" sz="1600" kern="100" dirty="0">
+                        <a:solidFill>
+                          <a:srgbClr val="0054A8"/>
+                        </a:solidFill>
                         <a:latin typeface="Microsoft YaHei" charset="-122"/>
                         <a:ea typeface="Microsoft YaHei" charset="-122"/>
                         <a:cs typeface="Microsoft YaHei" charset="-122"/>
@@ -10874,7 +12823,7 @@
                   <a:tcPr marL="161298" marR="161298" marT="0" marB="0" anchor="ctr">
                     <a:lnL w="12700" cap="flat" cmpd="sng" algn="ctr">
                       <a:solidFill>
-                        <a:srgbClr val="000000"/>
+                        <a:srgbClr val="0054A8"/>
                       </a:solidFill>
                       <a:prstDash val="solid"/>
                       <a:round/>
@@ -10883,7 +12832,7 @@
                     </a:lnL>
                     <a:lnR w="12700" cap="flat" cmpd="sng" algn="ctr">
                       <a:solidFill>
-                        <a:srgbClr val="000000"/>
+                        <a:srgbClr val="0054A8"/>
                       </a:solidFill>
                       <a:prstDash val="solid"/>
                       <a:round/>
@@ -10892,7 +12841,7 @@
                     </a:lnR>
                     <a:lnT w="12700" cap="flat" cmpd="sng" algn="ctr">
                       <a:solidFill>
-                        <a:srgbClr val="000000"/>
+                        <a:srgbClr val="0054A8"/>
                       </a:solidFill>
                       <a:prstDash val="solid"/>
                       <a:round/>
@@ -10901,7 +12850,7 @@
                     </a:lnT>
                     <a:lnB w="12700" cap="flat" cmpd="sng" algn="ctr">
                       <a:solidFill>
-                        <a:srgbClr val="000000"/>
+                        <a:srgbClr val="0054A8"/>
                       </a:solidFill>
                       <a:prstDash val="solid"/>
                       <a:round/>
@@ -10921,9 +12870,9 @@
                         </a:spcAft>
                       </a:pPr>
                       <a:r>
-                        <a:rPr lang="en-US" sz="1200" kern="0">
+                        <a:rPr lang="en-US" sz="1600" kern="0" dirty="0" err="1">
                           <a:solidFill>
-                            <a:srgbClr val="000000"/>
+                            <a:srgbClr val="0054A8"/>
                           </a:solidFill>
                           <a:latin typeface="Microsoft YaHei" charset="-122"/>
                           <a:ea typeface="Microsoft YaHei" charset="-122"/>
@@ -10931,7 +12880,10 @@
                         </a:rPr>
                         <a:t>sUserName</a:t>
                       </a:r>
-                      <a:endParaRPr lang="zh-CN" sz="1200" kern="100">
+                      <a:endParaRPr lang="zh-CN" sz="1600" kern="100" dirty="0">
+                        <a:solidFill>
+                          <a:srgbClr val="0054A8"/>
+                        </a:solidFill>
                         <a:latin typeface="Microsoft YaHei" charset="-122"/>
                         <a:ea typeface="Microsoft YaHei" charset="-122"/>
                         <a:cs typeface="Microsoft YaHei" charset="-122"/>
@@ -10941,7 +12893,7 @@
                   <a:tcPr marL="161298" marR="161298" marT="0" marB="0" anchor="ctr">
                     <a:lnL w="12700" cap="flat" cmpd="sng" algn="ctr">
                       <a:solidFill>
-                        <a:srgbClr val="000000"/>
+                        <a:srgbClr val="0054A8"/>
                       </a:solidFill>
                       <a:prstDash val="solid"/>
                       <a:round/>
@@ -10950,7 +12902,7 @@
                     </a:lnL>
                     <a:lnR w="12700" cap="flat" cmpd="sng" algn="ctr">
                       <a:solidFill>
-                        <a:srgbClr val="000000"/>
+                        <a:srgbClr val="0054A8"/>
                       </a:solidFill>
                       <a:prstDash val="solid"/>
                       <a:round/>
@@ -10959,7 +12911,7 @@
                     </a:lnR>
                     <a:lnT w="12700" cap="flat" cmpd="sng" algn="ctr">
                       <a:solidFill>
-                        <a:srgbClr val="000000"/>
+                        <a:srgbClr val="0054A8"/>
                       </a:solidFill>
                       <a:prstDash val="solid"/>
                       <a:round/>
@@ -10968,7 +12920,7 @@
                     </a:lnT>
                     <a:lnB w="12700" cap="flat" cmpd="sng" algn="ctr">
                       <a:solidFill>
-                        <a:srgbClr val="000000"/>
+                        <a:srgbClr val="0054A8"/>
                       </a:solidFill>
                       <a:prstDash val="solid"/>
                       <a:round/>
@@ -10978,7 +12930,7 @@
                   </a:tcPr>
                 </a:tc>
               </a:tr>
-              <a:tr h="302890">
+              <a:tr h="374441">
                 <a:tc>
                   <a:txBody>
                     <a:bodyPr/>
@@ -10990,9 +12942,9 @@
                         </a:spcAft>
                       </a:pPr>
                       <a:r>
-                        <a:rPr lang="zh-CN" sz="1200" kern="0" dirty="0">
+                        <a:rPr lang="zh-CN" sz="1600" kern="0" dirty="0">
                           <a:solidFill>
-                            <a:srgbClr val="000000"/>
+                            <a:srgbClr val="0054A8"/>
                           </a:solidFill>
                           <a:latin typeface="Microsoft YaHei" charset="-122"/>
                           <a:ea typeface="Microsoft YaHei" charset="-122"/>
@@ -11000,7 +12952,10 @@
                         </a:rPr>
                         <a:t>变体变量</a:t>
                       </a:r>
-                      <a:endParaRPr lang="zh-CN" sz="1200" kern="100" dirty="0">
+                      <a:endParaRPr lang="zh-CN" sz="1600" kern="100" dirty="0">
+                        <a:solidFill>
+                          <a:srgbClr val="0054A8"/>
+                        </a:solidFill>
                         <a:latin typeface="Microsoft YaHei" charset="-122"/>
                         <a:ea typeface="Microsoft YaHei" charset="-122"/>
                         <a:cs typeface="Microsoft YaHei" charset="-122"/>
@@ -11010,7 +12965,7 @@
                   <a:tcPr marL="161298" marR="161298" marT="0" marB="0" anchor="ctr">
                     <a:lnL w="12700" cap="flat" cmpd="sng" algn="ctr">
                       <a:solidFill>
-                        <a:srgbClr val="000000"/>
+                        <a:srgbClr val="0054A8"/>
                       </a:solidFill>
                       <a:prstDash val="solid"/>
                       <a:round/>
@@ -11019,7 +12974,7 @@
                     </a:lnL>
                     <a:lnR w="12700" cap="flat" cmpd="sng" algn="ctr">
                       <a:solidFill>
-                        <a:srgbClr val="000000"/>
+                        <a:srgbClr val="0054A8"/>
                       </a:solidFill>
                       <a:prstDash val="solid"/>
                       <a:round/>
@@ -11028,7 +12983,7 @@
                     </a:lnR>
                     <a:lnT w="12700" cap="flat" cmpd="sng" algn="ctr">
                       <a:solidFill>
-                        <a:srgbClr val="000000"/>
+                        <a:srgbClr val="0054A8"/>
                       </a:solidFill>
                       <a:prstDash val="solid"/>
                       <a:round/>
@@ -11037,7 +12992,7 @@
                     </a:lnT>
                     <a:lnB w="12700" cap="flat" cmpd="sng" algn="ctr">
                       <a:solidFill>
-                        <a:srgbClr val="000000"/>
+                        <a:srgbClr val="0054A8"/>
                       </a:solidFill>
                       <a:prstDash val="solid"/>
                       <a:round/>
@@ -11057,9 +13012,9 @@
                         </a:spcAft>
                       </a:pPr>
                       <a:r>
-                        <a:rPr lang="en-US" sz="1200" kern="0">
+                        <a:rPr lang="en-US" sz="1600" kern="0">
                           <a:solidFill>
-                            <a:srgbClr val="000000"/>
+                            <a:srgbClr val="0054A8"/>
                           </a:solidFill>
                           <a:latin typeface="Microsoft YaHei" charset="-122"/>
                           <a:ea typeface="Microsoft YaHei" charset="-122"/>
@@ -11067,7 +13022,10 @@
                         </a:rPr>
                         <a:t>v</a:t>
                       </a:r>
-                      <a:endParaRPr lang="zh-CN" sz="1200" kern="100">
+                      <a:endParaRPr lang="zh-CN" sz="1600" kern="100">
+                        <a:solidFill>
+                          <a:srgbClr val="0054A8"/>
+                        </a:solidFill>
                         <a:latin typeface="Microsoft YaHei" charset="-122"/>
                         <a:ea typeface="Microsoft YaHei" charset="-122"/>
                         <a:cs typeface="Microsoft YaHei" charset="-122"/>
@@ -11077,7 +13035,7 @@
                   <a:tcPr marL="161298" marR="161298" marT="0" marB="0" anchor="ctr">
                     <a:lnL w="12700" cap="flat" cmpd="sng" algn="ctr">
                       <a:solidFill>
-                        <a:srgbClr val="000000"/>
+                        <a:srgbClr val="0054A8"/>
                       </a:solidFill>
                       <a:prstDash val="solid"/>
                       <a:round/>
@@ -11086,7 +13044,7 @@
                     </a:lnL>
                     <a:lnR w="12700" cap="flat" cmpd="sng" algn="ctr">
                       <a:solidFill>
-                        <a:srgbClr val="000000"/>
+                        <a:srgbClr val="0054A8"/>
                       </a:solidFill>
                       <a:prstDash val="solid"/>
                       <a:round/>
@@ -11095,7 +13053,7 @@
                     </a:lnR>
                     <a:lnT w="12700" cap="flat" cmpd="sng" algn="ctr">
                       <a:solidFill>
-                        <a:srgbClr val="000000"/>
+                        <a:srgbClr val="0054A8"/>
                       </a:solidFill>
                       <a:prstDash val="solid"/>
                       <a:round/>
@@ -11104,7 +13062,7 @@
                     </a:lnT>
                     <a:lnB w="12700" cap="flat" cmpd="sng" algn="ctr">
                       <a:solidFill>
-                        <a:srgbClr val="000000"/>
+                        <a:srgbClr val="0054A8"/>
                       </a:solidFill>
                       <a:prstDash val="solid"/>
                       <a:round/>
@@ -11124,9 +13082,9 @@
                         </a:spcAft>
                       </a:pPr>
                       <a:r>
-                        <a:rPr lang="en-US" sz="1200" kern="0">
+                        <a:rPr lang="en-US" sz="1600" kern="0">
                           <a:solidFill>
-                            <a:srgbClr val="000000"/>
+                            <a:srgbClr val="0054A8"/>
                           </a:solidFill>
                           <a:latin typeface="Microsoft YaHei" charset="-122"/>
                           <a:ea typeface="Microsoft YaHei" charset="-122"/>
@@ -11134,7 +13092,10 @@
                         </a:rPr>
                         <a:t>Variant</a:t>
                       </a:r>
-                      <a:endParaRPr lang="zh-CN" sz="1200" kern="100">
+                      <a:endParaRPr lang="zh-CN" sz="1600" kern="100">
+                        <a:solidFill>
+                          <a:srgbClr val="0054A8"/>
+                        </a:solidFill>
                         <a:latin typeface="Microsoft YaHei" charset="-122"/>
                         <a:ea typeface="Microsoft YaHei" charset="-122"/>
                         <a:cs typeface="Microsoft YaHei" charset="-122"/>
@@ -11144,7 +13105,7 @@
                   <a:tcPr marL="161298" marR="161298" marT="0" marB="0" anchor="ctr">
                     <a:lnL w="12700" cap="flat" cmpd="sng" algn="ctr">
                       <a:solidFill>
-                        <a:srgbClr val="000000"/>
+                        <a:srgbClr val="0054A8"/>
                       </a:solidFill>
                       <a:prstDash val="solid"/>
                       <a:round/>
@@ -11153,7 +13114,7 @@
                     </a:lnL>
                     <a:lnR w="12700" cap="flat" cmpd="sng" algn="ctr">
                       <a:solidFill>
-                        <a:srgbClr val="000000"/>
+                        <a:srgbClr val="0054A8"/>
                       </a:solidFill>
                       <a:prstDash val="solid"/>
                       <a:round/>
@@ -11162,7 +13123,7 @@
                     </a:lnR>
                     <a:lnT w="12700" cap="flat" cmpd="sng" algn="ctr">
                       <a:solidFill>
-                        <a:srgbClr val="000000"/>
+                        <a:srgbClr val="0054A8"/>
                       </a:solidFill>
                       <a:prstDash val="solid"/>
                       <a:round/>
@@ -11171,7 +13132,7 @@
                     </a:lnT>
                     <a:lnB w="12700" cap="flat" cmpd="sng" algn="ctr">
                       <a:solidFill>
-                        <a:srgbClr val="000000"/>
+                        <a:srgbClr val="0054A8"/>
                       </a:solidFill>
                       <a:prstDash val="solid"/>
                       <a:round/>
@@ -11191,9 +13152,9 @@
                         </a:spcAft>
                       </a:pPr>
                       <a:r>
-                        <a:rPr lang="en-US" sz="1200" kern="0" dirty="0" err="1">
+                        <a:rPr lang="en-US" sz="1600" kern="0" dirty="0" err="1">
                           <a:solidFill>
-                            <a:srgbClr val="000000"/>
+                            <a:srgbClr val="0054A8"/>
                           </a:solidFill>
                           <a:latin typeface="Microsoft YaHei" charset="-122"/>
                           <a:ea typeface="Microsoft YaHei" charset="-122"/>
@@ -11201,7 +13162,10 @@
                         </a:rPr>
                         <a:t>vAnything</a:t>
                       </a:r>
-                      <a:endParaRPr lang="zh-CN" sz="1200" kern="100" dirty="0">
+                      <a:endParaRPr lang="zh-CN" sz="1600" kern="100" dirty="0">
+                        <a:solidFill>
+                          <a:srgbClr val="0054A8"/>
+                        </a:solidFill>
                         <a:latin typeface="Microsoft YaHei" charset="-122"/>
                         <a:ea typeface="Microsoft YaHei" charset="-122"/>
                         <a:cs typeface="Microsoft YaHei" charset="-122"/>
@@ -11211,7 +13175,7 @@
                   <a:tcPr marL="161298" marR="161298" marT="0" marB="0" anchor="ctr">
                     <a:lnL w="12700" cap="flat" cmpd="sng" algn="ctr">
                       <a:solidFill>
-                        <a:srgbClr val="000000"/>
+                        <a:srgbClr val="0054A8"/>
                       </a:solidFill>
                       <a:prstDash val="solid"/>
                       <a:round/>
@@ -11220,7 +13184,7 @@
                     </a:lnL>
                     <a:lnR w="12700" cap="flat" cmpd="sng" algn="ctr">
                       <a:solidFill>
-                        <a:srgbClr val="000000"/>
+                        <a:srgbClr val="0054A8"/>
                       </a:solidFill>
                       <a:prstDash val="solid"/>
                       <a:round/>
@@ -11229,7 +13193,7 @@
                     </a:lnR>
                     <a:lnT w="12700" cap="flat" cmpd="sng" algn="ctr">
                       <a:solidFill>
-                        <a:srgbClr val="000000"/>
+                        <a:srgbClr val="0054A8"/>
                       </a:solidFill>
                       <a:prstDash val="solid"/>
                       <a:round/>
@@ -11238,7 +13202,7 @@
                     </a:lnT>
                     <a:lnB w="12700" cap="flat" cmpd="sng" algn="ctr">
                       <a:solidFill>
-                        <a:srgbClr val="000000"/>
+                        <a:srgbClr val="0054A8"/>
                       </a:solidFill>
                       <a:prstDash val="solid"/>
                       <a:round/>
